--- a/Защита проекта Pygame.pptx
+++ b/Защита проекта Pygame.pptx
@@ -48,7 +48,7 @@
         <a:uFillTx/>
       </a:defRPr>
     </a:defPPr>
-    <a:lvl1pPr marL="0" marR="0" indent="0" algn="ctr" defTabSz="2438338" rtl="0" fontAlgn="auto" latinLnBrk="0" hangingPunct="0">
+    <a:lvl1pPr marL="0" marR="0" indent="0" algn="ctr" defTabSz="2438337" rtl="0" fontAlgn="auto" latinLnBrk="0" hangingPunct="0">
       <a:lnSpc>
         <a:spcPct val="100000"/>
       </a:lnSpc>
@@ -78,7 +78,7 @@
         <a:sym typeface="Helvetica Neue"/>
       </a:defRPr>
     </a:lvl1pPr>
-    <a:lvl2pPr marL="0" marR="0" indent="457200" algn="ctr" defTabSz="2438338" rtl="0" fontAlgn="auto" latinLnBrk="0" hangingPunct="0">
+    <a:lvl2pPr marL="0" marR="0" indent="0" algn="ctr" defTabSz="2438337" rtl="0" fontAlgn="auto" latinLnBrk="0" hangingPunct="0">
       <a:lnSpc>
         <a:spcPct val="100000"/>
       </a:lnSpc>
@@ -108,7 +108,7 @@
         <a:sym typeface="Helvetica Neue"/>
       </a:defRPr>
     </a:lvl2pPr>
-    <a:lvl3pPr marL="0" marR="0" indent="914400" algn="ctr" defTabSz="2438338" rtl="0" fontAlgn="auto" latinLnBrk="0" hangingPunct="0">
+    <a:lvl3pPr marL="0" marR="0" indent="0" algn="ctr" defTabSz="2438337" rtl="0" fontAlgn="auto" latinLnBrk="0" hangingPunct="0">
       <a:lnSpc>
         <a:spcPct val="100000"/>
       </a:lnSpc>
@@ -138,7 +138,7 @@
         <a:sym typeface="Helvetica Neue"/>
       </a:defRPr>
     </a:lvl3pPr>
-    <a:lvl4pPr marL="0" marR="0" indent="1371600" algn="ctr" defTabSz="2438338" rtl="0" fontAlgn="auto" latinLnBrk="0" hangingPunct="0">
+    <a:lvl4pPr marL="0" marR="0" indent="0" algn="ctr" defTabSz="2438337" rtl="0" fontAlgn="auto" latinLnBrk="0" hangingPunct="0">
       <a:lnSpc>
         <a:spcPct val="100000"/>
       </a:lnSpc>
@@ -168,7 +168,7 @@
         <a:sym typeface="Helvetica Neue"/>
       </a:defRPr>
     </a:lvl4pPr>
-    <a:lvl5pPr marL="0" marR="0" indent="1828800" algn="ctr" defTabSz="2438338" rtl="0" fontAlgn="auto" latinLnBrk="0" hangingPunct="0">
+    <a:lvl5pPr marL="0" marR="0" indent="0" algn="ctr" defTabSz="2438337" rtl="0" fontAlgn="auto" latinLnBrk="0" hangingPunct="0">
       <a:lnSpc>
         <a:spcPct val="100000"/>
       </a:lnSpc>
@@ -198,7 +198,7 @@
         <a:sym typeface="Helvetica Neue"/>
       </a:defRPr>
     </a:lvl5pPr>
-    <a:lvl6pPr marL="0" marR="0" indent="2286000" algn="ctr" defTabSz="2438338" rtl="0" fontAlgn="auto" latinLnBrk="0" hangingPunct="0">
+    <a:lvl6pPr marL="0" marR="0" indent="0" algn="ctr" defTabSz="2438337" rtl="0" fontAlgn="auto" latinLnBrk="0" hangingPunct="0">
       <a:lnSpc>
         <a:spcPct val="100000"/>
       </a:lnSpc>
@@ -228,7 +228,7 @@
         <a:sym typeface="Helvetica Neue"/>
       </a:defRPr>
     </a:lvl6pPr>
-    <a:lvl7pPr marL="0" marR="0" indent="2743200" algn="ctr" defTabSz="2438338" rtl="0" fontAlgn="auto" latinLnBrk="0" hangingPunct="0">
+    <a:lvl7pPr marL="0" marR="0" indent="0" algn="ctr" defTabSz="2438337" rtl="0" fontAlgn="auto" latinLnBrk="0" hangingPunct="0">
       <a:lnSpc>
         <a:spcPct val="100000"/>
       </a:lnSpc>
@@ -258,7 +258,7 @@
         <a:sym typeface="Helvetica Neue"/>
       </a:defRPr>
     </a:lvl7pPr>
-    <a:lvl8pPr marL="0" marR="0" indent="3200400" algn="ctr" defTabSz="2438338" rtl="0" fontAlgn="auto" latinLnBrk="0" hangingPunct="0">
+    <a:lvl8pPr marL="0" marR="0" indent="0" algn="ctr" defTabSz="2438337" rtl="0" fontAlgn="auto" latinLnBrk="0" hangingPunct="0">
       <a:lnSpc>
         <a:spcPct val="100000"/>
       </a:lnSpc>
@@ -288,7 +288,7 @@
         <a:sym typeface="Helvetica Neue"/>
       </a:defRPr>
     </a:lvl8pPr>
-    <a:lvl9pPr marL="0" marR="0" indent="3657600" algn="ctr" defTabSz="2438338" rtl="0" fontAlgn="auto" latinLnBrk="0" hangingPunct="0">
+    <a:lvl9pPr marL="0" marR="0" indent="0" algn="ctr" defTabSz="2438337" rtl="0" fontAlgn="auto" latinLnBrk="0" hangingPunct="0">
       <a:lnSpc>
         <a:spcPct val="100000"/>
       </a:lnSpc>
@@ -501,7 +501,7 @@
 </file>
 
 <file path=ppt/slideLayouts/slideLayout1.xml><?xml version="1.0" encoding="utf-8"?>
-<p:sldLayout xmlns:a="http://schemas.openxmlformats.org/drawingml/2006/main" xmlns:r="http://schemas.openxmlformats.org/officeDocument/2006/relationships" xmlns:p="http://schemas.openxmlformats.org/presentationml/2006/main" xmlns:m="http://schemas.openxmlformats.org/officeDocument/2006/math" xmlns:a14="http://schemas.microsoft.com/office/drawing/2010/main" type="title" showMasterSp="1" showMasterPhAnim="1">
+<p:sldLayout xmlns:a="http://schemas.openxmlformats.org/drawingml/2006/main" xmlns:r="http://schemas.openxmlformats.org/officeDocument/2006/relationships" xmlns:p="http://schemas.openxmlformats.org/presentationml/2006/main" xmlns:m="http://schemas.openxmlformats.org/officeDocument/2006/math" xmlns:a14="http://schemas.microsoft.com/office/drawing/2010/main" type="tx" showMasterSp="1" showMasterPhAnim="1">
   <p:cSld name="Заголовок">
     <p:spTree>
       <p:nvGrpSpPr>
@@ -519,23 +519,23 @@
       </p:grpSpPr>
       <p:sp>
         <p:nvSpPr>
-          <p:cNvPr id="11" name="Автор и дата"/>
+          <p:cNvPr id="11" name="Уровень текста 1…"/>
           <p:cNvSpPr txBox="1"/>
           <p:nvPr>
-            <p:ph type="body" sz="quarter" idx="21" hasCustomPrompt="1"/>
+            <p:ph type="body" sz="quarter" idx="1" hasCustomPrompt="1"/>
           </p:nvPr>
         </p:nvSpPr>
         <p:spPr>
           <a:xfrm>
             <a:off x="1201340" y="11859862"/>
-            <a:ext cx="21971003" cy="636979"/>
+            <a:ext cx="21971004" cy="636980"/>
           </a:xfrm>
           <a:prstGeom prst="rect">
             <a:avLst/>
           </a:prstGeom>
         </p:spPr>
         <p:txBody>
-          <a:bodyPr lIns="45719" tIns="45719" rIns="45719" bIns="45719"/>
+          <a:bodyPr lIns="45718" tIns="45718" rIns="45718" bIns="45718" numCol="1" spcCol="38100"/>
           <a:lstStyle>
             <a:lvl1pPr marL="0" indent="0" defTabSz="825500">
               <a:lnSpc>
@@ -548,11 +548,71 @@
               <a:buNone/>
               <a:defRPr b="1" sz="3600"/>
             </a:lvl1pPr>
+            <a:lvl2pPr marL="1066800" indent="-457200" defTabSz="825500">
+              <a:lnSpc>
+                <a:spcPct val="100000"/>
+              </a:lnSpc>
+              <a:spcBef>
+                <a:spcPts val="0"/>
+              </a:spcBef>
+              <a:defRPr b="1" sz="3600"/>
+            </a:lvl2pPr>
+            <a:lvl3pPr marL="1676400" indent="-457200" defTabSz="825500">
+              <a:lnSpc>
+                <a:spcPct val="100000"/>
+              </a:lnSpc>
+              <a:spcBef>
+                <a:spcPts val="0"/>
+              </a:spcBef>
+              <a:defRPr b="1" sz="3600"/>
+            </a:lvl3pPr>
+            <a:lvl4pPr marL="2286000" indent="-457200" defTabSz="825500">
+              <a:lnSpc>
+                <a:spcPct val="100000"/>
+              </a:lnSpc>
+              <a:spcBef>
+                <a:spcPts val="0"/>
+              </a:spcBef>
+              <a:defRPr b="1" sz="3600"/>
+            </a:lvl4pPr>
+            <a:lvl5pPr marL="2895600" indent="-457200" defTabSz="825500">
+              <a:lnSpc>
+                <a:spcPct val="100000"/>
+              </a:lnSpc>
+              <a:spcBef>
+                <a:spcPts val="0"/>
+              </a:spcBef>
+              <a:defRPr b="1" sz="3600"/>
+            </a:lvl5pPr>
           </a:lstStyle>
           <a:p>
             <a:pPr/>
             <a:r>
               <a:t>Автор и дата</a:t>
+            </a:r>
+          </a:p>
+          <a:p>
+            <a:pPr lvl="1"/>
+            <a:r>
+              <a:t/>
+            </a:r>
+          </a:p>
+          <a:p>
+            <a:pPr lvl="2"/>
+            <a:r>
+              <a:t/>
+            </a:r>
+          </a:p>
+          <a:p>
+            <a:pPr lvl="3"/>
+            <a:r>
+              <a:t/>
+            </a:r>
+          </a:p>
+          <a:p>
+            <a:pPr lvl="4"/>
+            <a:r>
+              <a:t/>
             </a:r>
           </a:p>
         </p:txBody>
@@ -568,7 +628,7 @@
         <p:spPr>
           <a:xfrm>
             <a:off x="1206496" y="2574991"/>
-            <a:ext cx="21971004" cy="4648201"/>
+            <a:ext cx="21971005" cy="4648202"/>
           </a:xfrm>
           <a:prstGeom prst="rect">
             <a:avLst/>
@@ -594,20 +654,20 @@
           <p:cNvPr id="13" name="Уровень текста 1…"/>
           <p:cNvSpPr txBox="1"/>
           <p:nvPr>
-            <p:ph type="body" sz="quarter" idx="1" hasCustomPrompt="1"/>
+            <p:ph type="body" sz="quarter" idx="21" hasCustomPrompt="1"/>
           </p:nvPr>
         </p:nvSpPr>
         <p:spPr>
           <a:xfrm>
             <a:off x="1201342" y="7223190"/>
-            <a:ext cx="21971001" cy="1905001"/>
+            <a:ext cx="21971002" cy="1905002"/>
           </a:xfrm>
           <a:prstGeom prst="rect">
             <a:avLst/>
           </a:prstGeom>
         </p:spPr>
         <p:txBody>
-          <a:bodyPr/>
+          <a:bodyPr numCol="1" spcCol="38100"/>
           <a:lstStyle>
             <a:lvl1pPr marL="0" indent="0" defTabSz="825500">
               <a:lnSpc>
@@ -620,79 +680,11 @@
               <a:buNone/>
               <a:defRPr b="1" sz="5500"/>
             </a:lvl1pPr>
-            <a:lvl2pPr marL="0" indent="457200" defTabSz="825500">
-              <a:lnSpc>
-                <a:spcPct val="100000"/>
-              </a:lnSpc>
-              <a:spcBef>
-                <a:spcPts val="0"/>
-              </a:spcBef>
-              <a:buSzTx/>
-              <a:buNone/>
-              <a:defRPr b="1" sz="5500"/>
-            </a:lvl2pPr>
-            <a:lvl3pPr marL="0" indent="914400" defTabSz="825500">
-              <a:lnSpc>
-                <a:spcPct val="100000"/>
-              </a:lnSpc>
-              <a:spcBef>
-                <a:spcPts val="0"/>
-              </a:spcBef>
-              <a:buSzTx/>
-              <a:buNone/>
-              <a:defRPr b="1" sz="5500"/>
-            </a:lvl3pPr>
-            <a:lvl4pPr marL="0" indent="1371600" defTabSz="825500">
-              <a:lnSpc>
-                <a:spcPct val="100000"/>
-              </a:lnSpc>
-              <a:spcBef>
-                <a:spcPts val="0"/>
-              </a:spcBef>
-              <a:buSzTx/>
-              <a:buNone/>
-              <a:defRPr b="1" sz="5500"/>
-            </a:lvl4pPr>
-            <a:lvl5pPr marL="0" indent="1828800" defTabSz="825500">
-              <a:lnSpc>
-                <a:spcPct val="100000"/>
-              </a:lnSpc>
-              <a:spcBef>
-                <a:spcPts val="0"/>
-              </a:spcBef>
-              <a:buSzTx/>
-              <a:buNone/>
-              <a:defRPr b="1" sz="5500"/>
-            </a:lvl5pPr>
           </a:lstStyle>
           <a:p>
             <a:pPr/>
             <a:r>
               <a:t>Подзаголовок презентации</a:t>
-            </a:r>
-          </a:p>
-          <a:p>
-            <a:pPr lvl="1"/>
-            <a:r>
-              <a:t/>
-            </a:r>
-          </a:p>
-          <a:p>
-            <a:pPr lvl="2"/>
-            <a:r>
-              <a:t/>
-            </a:r>
-          </a:p>
-          <a:p>
-            <a:pPr lvl="3"/>
-            <a:r>
-              <a:t/>
-            </a:r>
-          </a:p>
-          <a:p>
-            <a:pPr lvl="4"/>
-            <a:r>
-              <a:t/>
             </a:r>
           </a:p>
         </p:txBody>
@@ -763,7 +755,7 @@
           </a:prstGeom>
         </p:spPr>
         <p:txBody>
-          <a:bodyPr anchor="ctr"/>
+          <a:bodyPr numCol="1" spcCol="38100" anchor="ctr"/>
           <a:lstStyle>
             <a:lvl1pPr marL="0" indent="0" algn="ctr">
               <a:lnSpc>
@@ -781,7 +773,7 @@
                 <a:sym typeface="Helvetica Neue Medium"/>
               </a:defRPr>
             </a:lvl1pPr>
-            <a:lvl2pPr marL="0" indent="457200" algn="ctr">
+            <a:lvl2pPr marL="0" indent="0" algn="ctr">
               <a:lnSpc>
                 <a:spcPct val="80000"/>
               </a:lnSpc>
@@ -797,7 +789,7 @@
                 <a:sym typeface="Helvetica Neue Medium"/>
               </a:defRPr>
             </a:lvl2pPr>
-            <a:lvl3pPr marL="0" indent="914400" algn="ctr">
+            <a:lvl3pPr marL="0" indent="0" algn="ctr">
               <a:lnSpc>
                 <a:spcPct val="80000"/>
               </a:lnSpc>
@@ -813,7 +805,7 @@
                 <a:sym typeface="Helvetica Neue Medium"/>
               </a:defRPr>
             </a:lvl3pPr>
-            <a:lvl4pPr marL="0" indent="1371600" algn="ctr">
+            <a:lvl4pPr marL="0" indent="0" algn="ctr">
               <a:lnSpc>
                 <a:spcPct val="80000"/>
               </a:lnSpc>
@@ -829,7 +821,7 @@
                 <a:sym typeface="Helvetica Neue Medium"/>
               </a:defRPr>
             </a:lvl4pPr>
-            <a:lvl5pPr marL="0" indent="1828800" algn="ctr">
+            <a:lvl5pPr marL="0" indent="0" algn="ctr">
               <a:lnSpc>
                 <a:spcPct val="80000"/>
               </a:lnSpc>
@@ -936,15 +928,15 @@
         </p:nvSpPr>
         <p:spPr>
           <a:xfrm>
-            <a:off x="1206500" y="1075927"/>
-            <a:ext cx="21971000" cy="7241584"/>
+            <a:off x="1206500" y="1075926"/>
+            <a:ext cx="21971000" cy="7241586"/>
           </a:xfrm>
           <a:prstGeom prst="rect">
             <a:avLst/>
           </a:prstGeom>
         </p:spPr>
         <p:txBody>
-          <a:bodyPr anchor="b"/>
+          <a:bodyPr numCol="1" spcCol="38100" anchor="b"/>
           <a:lstStyle>
             <a:lvl1pPr marL="0" indent="0" algn="ctr">
               <a:lnSpc>
@@ -957,7 +949,7 @@
               <a:buNone/>
               <a:defRPr b="1" spc="-250" sz="25000"/>
             </a:lvl1pPr>
-            <a:lvl2pPr marL="0" indent="457200" algn="ctr">
+            <a:lvl2pPr marL="0" indent="0" algn="ctr">
               <a:lnSpc>
                 <a:spcPct val="80000"/>
               </a:lnSpc>
@@ -968,7 +960,7 @@
               <a:buNone/>
               <a:defRPr b="1" spc="-250" sz="25000"/>
             </a:lvl2pPr>
-            <a:lvl3pPr marL="0" indent="914400" algn="ctr">
+            <a:lvl3pPr marL="0" indent="0" algn="ctr">
               <a:lnSpc>
                 <a:spcPct val="80000"/>
               </a:lnSpc>
@@ -979,7 +971,7 @@
               <a:buNone/>
               <a:defRPr b="1" spc="-250" sz="25000"/>
             </a:lvl3pPr>
-            <a:lvl4pPr marL="0" indent="1371600" algn="ctr">
+            <a:lvl4pPr marL="0" indent="0" algn="ctr">
               <a:lnSpc>
                 <a:spcPct val="80000"/>
               </a:lnSpc>
@@ -990,7 +982,7 @@
               <a:buNone/>
               <a:defRPr b="1" spc="-250" sz="25000"/>
             </a:lvl4pPr>
-            <a:lvl5pPr marL="0" indent="1828800" algn="ctr">
+            <a:lvl5pPr marL="0" indent="0" algn="ctr">
               <a:lnSpc>
                 <a:spcPct val="80000"/>
               </a:lnSpc>
@@ -1052,7 +1044,7 @@
           </a:prstGeom>
         </p:spPr>
         <p:txBody>
-          <a:bodyPr lIns="45719" tIns="45719" rIns="45719" bIns="45719"/>
+          <a:bodyPr lIns="45718" tIns="45718" rIns="45718" bIns="45718" numCol="1" spcCol="38100"/>
           <a:lstStyle>
             <a:lvl1pPr marL="0" indent="0" algn="ctr" defTabSz="825500">
               <a:lnSpc>
@@ -1124,23 +1116,23 @@
       </p:grpSpPr>
       <p:sp>
         <p:nvSpPr>
-          <p:cNvPr id="115" name="Авторство"/>
+          <p:cNvPr id="115" name="Уровень текста 1…"/>
           <p:cNvSpPr txBox="1"/>
           <p:nvPr>
-            <p:ph type="body" sz="quarter" idx="21" hasCustomPrompt="1"/>
+            <p:ph type="body" sz="quarter" idx="1" hasCustomPrompt="1"/>
           </p:nvPr>
         </p:nvSpPr>
         <p:spPr>
           <a:xfrm>
-            <a:off x="2430025" y="10675453"/>
-            <a:ext cx="20200052" cy="636979"/>
+            <a:off x="2430024" y="10675453"/>
+            <a:ext cx="20200054" cy="636980"/>
           </a:xfrm>
           <a:prstGeom prst="rect">
             <a:avLst/>
           </a:prstGeom>
         </p:spPr>
         <p:txBody>
-          <a:bodyPr lIns="45719" tIns="45719" rIns="45719" bIns="45719"/>
+          <a:bodyPr lIns="45718" tIns="45718" rIns="45718" bIns="45718" numCol="1" spcCol="38100"/>
           <a:lstStyle>
             <a:lvl1pPr marL="0" indent="0" defTabSz="825500">
               <a:lnSpc>
@@ -1153,11 +1145,71 @@
               <a:buNone/>
               <a:defRPr b="1" sz="3600"/>
             </a:lvl1pPr>
+            <a:lvl2pPr marL="1066800" indent="-457200" defTabSz="825500">
+              <a:lnSpc>
+                <a:spcPct val="100000"/>
+              </a:lnSpc>
+              <a:spcBef>
+                <a:spcPts val="0"/>
+              </a:spcBef>
+              <a:defRPr b="1" sz="3600"/>
+            </a:lvl2pPr>
+            <a:lvl3pPr marL="1676400" indent="-457200" defTabSz="825500">
+              <a:lnSpc>
+                <a:spcPct val="100000"/>
+              </a:lnSpc>
+              <a:spcBef>
+                <a:spcPts val="0"/>
+              </a:spcBef>
+              <a:defRPr b="1" sz="3600"/>
+            </a:lvl3pPr>
+            <a:lvl4pPr marL="2286000" indent="-457200" defTabSz="825500">
+              <a:lnSpc>
+                <a:spcPct val="100000"/>
+              </a:lnSpc>
+              <a:spcBef>
+                <a:spcPts val="0"/>
+              </a:spcBef>
+              <a:defRPr b="1" sz="3600"/>
+            </a:lvl4pPr>
+            <a:lvl5pPr marL="2895600" indent="-457200" defTabSz="825500">
+              <a:lnSpc>
+                <a:spcPct val="100000"/>
+              </a:lnSpc>
+              <a:spcBef>
+                <a:spcPts val="0"/>
+              </a:spcBef>
+              <a:defRPr b="1" sz="3600"/>
+            </a:lvl5pPr>
           </a:lstStyle>
           <a:p>
             <a:pPr/>
             <a:r>
               <a:t>Авторство</a:t>
+            </a:r>
+          </a:p>
+          <a:p>
+            <a:pPr lvl="1"/>
+            <a:r>
+              <a:t/>
+            </a:r>
+          </a:p>
+          <a:p>
+            <a:pPr lvl="2"/>
+            <a:r>
+              <a:t/>
+            </a:r>
+          </a:p>
+          <a:p>
+            <a:pPr lvl="3"/>
+            <a:r>
+              <a:t/>
+            </a:r>
+          </a:p>
+          <a:p>
+            <a:pPr lvl="4"/>
+            <a:r>
+              <a:t/>
             </a:r>
           </a:p>
         </p:txBody>
@@ -1167,115 +1219,39 @@
           <p:cNvPr id="116" name="Уровень текста 1…"/>
           <p:cNvSpPr txBox="1"/>
           <p:nvPr>
-            <p:ph type="body" sz="half" idx="1" hasCustomPrompt="1"/>
+            <p:ph type="body" sz="half" idx="21" hasCustomPrompt="1"/>
           </p:nvPr>
         </p:nvSpPr>
         <p:spPr>
           <a:xfrm>
             <a:off x="1753923" y="4939860"/>
-            <a:ext cx="20876154" cy="3836280"/>
+            <a:ext cx="20876154" cy="3836281"/>
           </a:xfrm>
           <a:prstGeom prst="rect">
             <a:avLst/>
           </a:prstGeom>
         </p:spPr>
         <p:txBody>
-          <a:bodyPr/>
+          <a:bodyPr numCol="1" spcCol="38100"/>
           <a:lstStyle>
-            <a:lvl1pPr marL="638923" indent="-469900">
+            <a:lvl1pPr marL="469900" indent="-300876">
               <a:spcBef>
                 <a:spcPts val="0"/>
               </a:spcBef>
               <a:buSzTx/>
               <a:buNone/>
-              <a:defRPr spc="-170" sz="8500">
+              <a:defRPr spc="-200" sz="8500">
                 <a:latin typeface="Helvetica Neue Medium"/>
                 <a:ea typeface="Helvetica Neue Medium"/>
                 <a:cs typeface="Helvetica Neue Medium"/>
                 <a:sym typeface="Helvetica Neue Medium"/>
               </a:defRPr>
             </a:lvl1pPr>
-            <a:lvl2pPr marL="638923" indent="-12700">
-              <a:spcBef>
-                <a:spcPts val="0"/>
-              </a:spcBef>
-              <a:buSzTx/>
-              <a:buNone/>
-              <a:defRPr spc="-170" sz="8500">
-                <a:latin typeface="Helvetica Neue Medium"/>
-                <a:ea typeface="Helvetica Neue Medium"/>
-                <a:cs typeface="Helvetica Neue Medium"/>
-                <a:sym typeface="Helvetica Neue Medium"/>
-              </a:defRPr>
-            </a:lvl2pPr>
-            <a:lvl3pPr marL="638923" indent="444500">
-              <a:spcBef>
-                <a:spcPts val="0"/>
-              </a:spcBef>
-              <a:buSzTx/>
-              <a:buNone/>
-              <a:defRPr spc="-170" sz="8500">
-                <a:latin typeface="Helvetica Neue Medium"/>
-                <a:ea typeface="Helvetica Neue Medium"/>
-                <a:cs typeface="Helvetica Neue Medium"/>
-                <a:sym typeface="Helvetica Neue Medium"/>
-              </a:defRPr>
-            </a:lvl3pPr>
-            <a:lvl4pPr marL="638923" indent="901700">
-              <a:spcBef>
-                <a:spcPts val="0"/>
-              </a:spcBef>
-              <a:buSzTx/>
-              <a:buNone/>
-              <a:defRPr spc="-170" sz="8500">
-                <a:latin typeface="Helvetica Neue Medium"/>
-                <a:ea typeface="Helvetica Neue Medium"/>
-                <a:cs typeface="Helvetica Neue Medium"/>
-                <a:sym typeface="Helvetica Neue Medium"/>
-              </a:defRPr>
-            </a:lvl4pPr>
-            <a:lvl5pPr marL="638923" indent="1358900">
-              <a:spcBef>
-                <a:spcPts val="0"/>
-              </a:spcBef>
-              <a:buSzTx/>
-              <a:buNone/>
-              <a:defRPr spc="-170" sz="8500">
-                <a:latin typeface="Helvetica Neue Medium"/>
-                <a:ea typeface="Helvetica Neue Medium"/>
-                <a:cs typeface="Helvetica Neue Medium"/>
-                <a:sym typeface="Helvetica Neue Medium"/>
-              </a:defRPr>
-            </a:lvl5pPr>
           </a:lstStyle>
           <a:p>
             <a:pPr/>
             <a:r>
               <a:t>«Важная цитата»</a:t>
-            </a:r>
-          </a:p>
-          <a:p>
-            <a:pPr lvl="1"/>
-            <a:r>
-              <a:t/>
-            </a:r>
-          </a:p>
-          <a:p>
-            <a:pPr lvl="2"/>
-            <a:r>
-              <a:t/>
-            </a:r>
-          </a:p>
-          <a:p>
-            <a:pPr lvl="3"/>
-            <a:r>
-              <a:t/>
-            </a:r>
-          </a:p>
-          <a:p>
-            <a:pPr lvl="4"/>
-            <a:r>
-              <a:t/>
             </a:r>
           </a:p>
         </p:txBody>
@@ -1346,7 +1322,7 @@
           </a:prstGeom>
         </p:spPr>
         <p:txBody>
-          <a:bodyPr lIns="91439" tIns="45719" rIns="91439" bIns="45719">
+          <a:bodyPr lIns="91439" tIns="45719" rIns="91439" bIns="45719" numCol="1" spcCol="38100">
             <a:noAutofit/>
           </a:bodyPr>
           <a:lstStyle/>
@@ -1373,7 +1349,7 @@
           </a:prstGeom>
         </p:spPr>
         <p:txBody>
-          <a:bodyPr lIns="91439" tIns="45719" rIns="91439" bIns="45719">
+          <a:bodyPr lIns="91439" tIns="45719" rIns="91439" bIns="45719" numCol="1" spcCol="38100">
             <a:noAutofit/>
           </a:bodyPr>
           <a:lstStyle/>
@@ -1392,15 +1368,15 @@
         </p:nvSpPr>
         <p:spPr>
           <a:xfrm>
-            <a:off x="-124635" y="1270000"/>
-            <a:ext cx="16840169" cy="11243712"/>
+            <a:off x="-124636" y="1270000"/>
+            <a:ext cx="16840170" cy="11243713"/>
           </a:xfrm>
           <a:prstGeom prst="rect">
             <a:avLst/>
           </a:prstGeom>
         </p:spPr>
         <p:txBody>
-          <a:bodyPr lIns="91439" tIns="45719" rIns="91439" bIns="45719">
+          <a:bodyPr lIns="91439" tIns="45719" rIns="91439" bIns="45719" numCol="1" spcCol="38100">
             <a:noAutofit/>
           </a:bodyPr>
           <a:lstStyle/>
@@ -1482,7 +1458,7 @@
           </a:prstGeom>
         </p:spPr>
         <p:txBody>
-          <a:bodyPr lIns="91439" tIns="45719" rIns="91439" bIns="45719">
+          <a:bodyPr lIns="91439" tIns="45719" rIns="91439" bIns="45719" numCol="1" spcCol="38100">
             <a:noAutofit/>
           </a:bodyPr>
           <a:lstStyle/>
@@ -1620,7 +1596,7 @@
           </a:prstGeom>
         </p:spPr>
         <p:txBody>
-          <a:bodyPr lIns="91439" tIns="45719" rIns="91439" bIns="45719">
+          <a:bodyPr lIns="91439" tIns="45719" rIns="91439" bIns="45719" numCol="1" spcCol="38100">
             <a:noAutofit/>
           </a:bodyPr>
           <a:lstStyle/>
@@ -1663,23 +1639,23 @@
       </p:sp>
       <p:sp>
         <p:nvSpPr>
-          <p:cNvPr id="23" name="Автор и дата"/>
+          <p:cNvPr id="23" name="Уровень текста 1…"/>
           <p:cNvSpPr txBox="1"/>
           <p:nvPr>
-            <p:ph type="body" sz="quarter" idx="22" hasCustomPrompt="1"/>
+            <p:ph type="body" sz="quarter" idx="1" hasCustomPrompt="1"/>
           </p:nvPr>
         </p:nvSpPr>
         <p:spPr>
           <a:xfrm>
             <a:off x="1207690" y="1106137"/>
-            <a:ext cx="21968621" cy="636979"/>
+            <a:ext cx="21968621" cy="636980"/>
           </a:xfrm>
           <a:prstGeom prst="rect">
             <a:avLst/>
           </a:prstGeom>
         </p:spPr>
         <p:txBody>
-          <a:bodyPr lIns="45719" tIns="45719" rIns="45719" bIns="45719"/>
+          <a:bodyPr lIns="45718" tIns="45718" rIns="45718" bIns="45718" numCol="1" spcCol="38100"/>
           <a:lstStyle>
             <a:lvl1pPr marL="0" indent="0" defTabSz="825500">
               <a:lnSpc>
@@ -1692,11 +1668,71 @@
               <a:buNone/>
               <a:defRPr b="1" sz="3600"/>
             </a:lvl1pPr>
+            <a:lvl2pPr marL="1066800" indent="-457200" defTabSz="825500">
+              <a:lnSpc>
+                <a:spcPct val="100000"/>
+              </a:lnSpc>
+              <a:spcBef>
+                <a:spcPts val="0"/>
+              </a:spcBef>
+              <a:defRPr b="1" sz="3600"/>
+            </a:lvl2pPr>
+            <a:lvl3pPr marL="1676400" indent="-457200" defTabSz="825500">
+              <a:lnSpc>
+                <a:spcPct val="100000"/>
+              </a:lnSpc>
+              <a:spcBef>
+                <a:spcPts val="0"/>
+              </a:spcBef>
+              <a:defRPr b="1" sz="3600"/>
+            </a:lvl3pPr>
+            <a:lvl4pPr marL="2286000" indent="-457200" defTabSz="825500">
+              <a:lnSpc>
+                <a:spcPct val="100000"/>
+              </a:lnSpc>
+              <a:spcBef>
+                <a:spcPts val="0"/>
+              </a:spcBef>
+              <a:defRPr b="1" sz="3600"/>
+            </a:lvl4pPr>
+            <a:lvl5pPr marL="2895600" indent="-457200" defTabSz="825500">
+              <a:lnSpc>
+                <a:spcPct val="100000"/>
+              </a:lnSpc>
+              <a:spcBef>
+                <a:spcPts val="0"/>
+              </a:spcBef>
+              <a:defRPr b="1" sz="3600"/>
+            </a:lvl5pPr>
           </a:lstStyle>
           <a:p>
             <a:pPr/>
             <a:r>
               <a:t>Автор и дата</a:t>
+            </a:r>
+          </a:p>
+          <a:p>
+            <a:pPr lvl="1"/>
+            <a:r>
+              <a:t/>
+            </a:r>
+          </a:p>
+          <a:p>
+            <a:pPr lvl="2"/>
+            <a:r>
+              <a:t/>
+            </a:r>
+          </a:p>
+          <a:p>
+            <a:pPr lvl="3"/>
+            <a:r>
+              <a:t/>
+            </a:r>
+          </a:p>
+          <a:p>
+            <a:pPr lvl="4"/>
+            <a:r>
+              <a:t/>
             </a:r>
           </a:p>
         </p:txBody>
@@ -1706,20 +1742,20 @@
           <p:cNvPr id="24" name="Уровень текста 1…"/>
           <p:cNvSpPr txBox="1"/>
           <p:nvPr>
-            <p:ph type="body" sz="quarter" idx="1" hasCustomPrompt="1"/>
+            <p:ph type="body" sz="quarter" idx="22" hasCustomPrompt="1"/>
           </p:nvPr>
         </p:nvSpPr>
         <p:spPr>
           <a:xfrm>
-            <a:off x="1206500" y="11609910"/>
-            <a:ext cx="21971000" cy="1116952"/>
+            <a:off x="1206500" y="11609909"/>
+            <a:ext cx="21971000" cy="1116953"/>
           </a:xfrm>
           <a:prstGeom prst="rect">
             <a:avLst/>
           </a:prstGeom>
         </p:spPr>
         <p:txBody>
-          <a:bodyPr/>
+          <a:bodyPr numCol="1" spcCol="38100"/>
           <a:lstStyle>
             <a:lvl1pPr marL="0" indent="0" defTabSz="825500">
               <a:lnSpc>
@@ -1732,79 +1768,11 @@
               <a:buNone/>
               <a:defRPr b="1" sz="5500"/>
             </a:lvl1pPr>
-            <a:lvl2pPr marL="0" indent="457200" defTabSz="825500">
-              <a:lnSpc>
-                <a:spcPct val="100000"/>
-              </a:lnSpc>
-              <a:spcBef>
-                <a:spcPts val="0"/>
-              </a:spcBef>
-              <a:buSzTx/>
-              <a:buNone/>
-              <a:defRPr b="1" sz="5500"/>
-            </a:lvl2pPr>
-            <a:lvl3pPr marL="0" indent="914400" defTabSz="825500">
-              <a:lnSpc>
-                <a:spcPct val="100000"/>
-              </a:lnSpc>
-              <a:spcBef>
-                <a:spcPts val="0"/>
-              </a:spcBef>
-              <a:buSzTx/>
-              <a:buNone/>
-              <a:defRPr b="1" sz="5500"/>
-            </a:lvl3pPr>
-            <a:lvl4pPr marL="0" indent="1371600" defTabSz="825500">
-              <a:lnSpc>
-                <a:spcPct val="100000"/>
-              </a:lnSpc>
-              <a:spcBef>
-                <a:spcPts val="0"/>
-              </a:spcBef>
-              <a:buSzTx/>
-              <a:buNone/>
-              <a:defRPr b="1" sz="5500"/>
-            </a:lvl4pPr>
-            <a:lvl5pPr marL="0" indent="1828800" defTabSz="825500">
-              <a:lnSpc>
-                <a:spcPct val="100000"/>
-              </a:lnSpc>
-              <a:spcBef>
-                <a:spcPts val="0"/>
-              </a:spcBef>
-              <a:buSzTx/>
-              <a:buNone/>
-              <a:defRPr b="1" sz="5500"/>
-            </a:lvl5pPr>
           </a:lstStyle>
           <a:p>
             <a:pPr/>
             <a:r>
               <a:t>Подзаголовок презентации</a:t>
-            </a:r>
-          </a:p>
-          <a:p>
-            <a:pPr lvl="1"/>
-            <a:r>
-              <a:t/>
-            </a:r>
-          </a:p>
-          <a:p>
-            <a:pPr lvl="2"/>
-            <a:r>
-              <a:t/>
-            </a:r>
-          </a:p>
-          <a:p>
-            <a:pPr lvl="3"/>
-            <a:r>
-              <a:t/>
-            </a:r>
-          </a:p>
-          <a:p>
-            <a:pPr lvl="4"/>
-            <a:r>
-              <a:t/>
             </a:r>
           </a:p>
         </p:txBody>
@@ -1875,7 +1843,7 @@
           </a:prstGeom>
         </p:spPr>
         <p:txBody>
-          <a:bodyPr lIns="91439" tIns="45719" rIns="91439" bIns="45719">
+          <a:bodyPr lIns="91439" tIns="45719" rIns="91439" bIns="45719" numCol="1" spcCol="38100">
             <a:noAutofit/>
           </a:bodyPr>
           <a:lstStyle/>
@@ -1895,7 +1863,7 @@
         <p:spPr>
           <a:xfrm>
             <a:off x="1206500" y="1270000"/>
-            <a:ext cx="9779000" cy="5882273"/>
+            <a:ext cx="9779000" cy="5882274"/>
           </a:xfrm>
           <a:prstGeom prst="rect">
             <a:avLst/>
@@ -1930,7 +1898,7 @@
           </a:prstGeom>
         </p:spPr>
         <p:txBody>
-          <a:bodyPr/>
+          <a:bodyPr numCol="1" spcCol="38100"/>
           <a:lstStyle>
             <a:lvl1pPr marL="0" indent="0" defTabSz="825500">
               <a:lnSpc>
@@ -1943,7 +1911,7 @@
               <a:buNone/>
               <a:defRPr b="1" sz="5500"/>
             </a:lvl1pPr>
-            <a:lvl2pPr marL="0" indent="457200" defTabSz="825500">
+            <a:lvl2pPr marL="0" indent="0" defTabSz="825500">
               <a:lnSpc>
                 <a:spcPct val="100000"/>
               </a:lnSpc>
@@ -1954,7 +1922,7 @@
               <a:buNone/>
               <a:defRPr b="1" sz="5500"/>
             </a:lvl2pPr>
-            <a:lvl3pPr marL="0" indent="914400" defTabSz="825500">
+            <a:lvl3pPr marL="0" indent="0" defTabSz="825500">
               <a:lnSpc>
                 <a:spcPct val="100000"/>
               </a:lnSpc>
@@ -1965,7 +1933,7 @@
               <a:buNone/>
               <a:defRPr b="1" sz="5500"/>
             </a:lvl3pPr>
-            <a:lvl4pPr marL="0" indent="1371600" defTabSz="825500">
+            <a:lvl4pPr marL="0" indent="0" defTabSz="825500">
               <a:lnSpc>
                 <a:spcPct val="100000"/>
               </a:lnSpc>
@@ -1976,7 +1944,7 @@
               <a:buNone/>
               <a:defRPr b="1" sz="5500"/>
             </a:lvl4pPr>
-            <a:lvl5pPr marL="0" indent="1828800" defTabSz="825500">
+            <a:lvl5pPr marL="0" indent="0" defTabSz="825500">
               <a:lnSpc>
                 <a:spcPct val="100000"/>
               </a:lnSpc>
@@ -2030,8 +1998,8 @@
         </p:nvSpPr>
         <p:spPr>
           <a:xfrm>
-            <a:off x="12001499" y="13085233"/>
-            <a:ext cx="368505" cy="374600"/>
+            <a:off x="12001500" y="13085233"/>
+            <a:ext cx="368504" cy="374600"/>
           </a:xfrm>
           <a:prstGeom prst="rect">
             <a:avLst/>
@@ -2081,6 +2049,10 @@
           </p:nvPr>
         </p:nvSpPr>
         <p:spPr>
+          <a:xfrm>
+            <a:off x="1206500" y="1079500"/>
+            <a:ext cx="21971000" cy="1433164"/>
+          </a:xfrm>
           <a:prstGeom prst="rect">
             <a:avLst/>
           </a:prstGeom>
@@ -2098,23 +2070,23 @@
       </p:sp>
       <p:sp>
         <p:nvSpPr>
-          <p:cNvPr id="43" name="Подзаголовок слайда"/>
+          <p:cNvPr id="43" name="Уровень текста 1…"/>
           <p:cNvSpPr txBox="1"/>
           <p:nvPr>
-            <p:ph type="body" sz="quarter" idx="21" hasCustomPrompt="1"/>
+            <p:ph type="body" sz="quarter" idx="1" hasCustomPrompt="1"/>
           </p:nvPr>
         </p:nvSpPr>
         <p:spPr>
           <a:xfrm>
-            <a:off x="1206500" y="2372962"/>
-            <a:ext cx="21971000" cy="934780"/>
+            <a:off x="1206500" y="2372961"/>
+            <a:ext cx="21971000" cy="934781"/>
           </a:xfrm>
           <a:prstGeom prst="rect">
             <a:avLst/>
           </a:prstGeom>
         </p:spPr>
         <p:txBody>
-          <a:bodyPr lIns="45719" tIns="45719" rIns="45719" bIns="45719"/>
+          <a:bodyPr lIns="45718" tIns="45718" rIns="45718" bIns="45718" numCol="1" spcCol="38100"/>
           <a:lstStyle>
             <a:lvl1pPr marL="0" indent="0" defTabSz="825500">
               <a:lnSpc>
@@ -2127,11 +2099,71 @@
               <a:buNone/>
               <a:defRPr b="1" sz="5500"/>
             </a:lvl1pPr>
+            <a:lvl2pPr marL="1308100" indent="-698500" defTabSz="825500">
+              <a:lnSpc>
+                <a:spcPct val="100000"/>
+              </a:lnSpc>
+              <a:spcBef>
+                <a:spcPts val="0"/>
+              </a:spcBef>
+              <a:defRPr b="1" sz="5500"/>
+            </a:lvl2pPr>
+            <a:lvl3pPr marL="1917700" indent="-698500" defTabSz="825500">
+              <a:lnSpc>
+                <a:spcPct val="100000"/>
+              </a:lnSpc>
+              <a:spcBef>
+                <a:spcPts val="0"/>
+              </a:spcBef>
+              <a:defRPr b="1" sz="5500"/>
+            </a:lvl3pPr>
+            <a:lvl4pPr marL="2527300" indent="-698500" defTabSz="825500">
+              <a:lnSpc>
+                <a:spcPct val="100000"/>
+              </a:lnSpc>
+              <a:spcBef>
+                <a:spcPts val="0"/>
+              </a:spcBef>
+              <a:defRPr b="1" sz="5500"/>
+            </a:lvl4pPr>
+            <a:lvl5pPr marL="3136900" indent="-698500" defTabSz="825500">
+              <a:lnSpc>
+                <a:spcPct val="100000"/>
+              </a:lnSpc>
+              <a:spcBef>
+                <a:spcPts val="0"/>
+              </a:spcBef>
+              <a:defRPr b="1" sz="5500"/>
+            </a:lvl5pPr>
           </a:lstStyle>
           <a:p>
             <a:pPr/>
             <a:r>
               <a:t>Подзаголовок слайда</a:t>
+            </a:r>
+          </a:p>
+          <a:p>
+            <a:pPr lvl="1"/>
+            <a:r>
+              <a:t/>
+            </a:r>
+          </a:p>
+          <a:p>
+            <a:pPr lvl="2"/>
+            <a:r>
+              <a:t/>
+            </a:r>
+          </a:p>
+          <a:p>
+            <a:pPr lvl="3"/>
+            <a:r>
+              <a:t/>
+            </a:r>
+          </a:p>
+          <a:p>
+            <a:pPr lvl="4"/>
+            <a:r>
+              <a:t/>
             </a:r>
           </a:p>
         </p:txBody>
@@ -2141,45 +2173,25 @@
           <p:cNvPr id="44" name="Уровень текста 1…"/>
           <p:cNvSpPr txBox="1"/>
           <p:nvPr>
-            <p:ph type="body" idx="1" hasCustomPrompt="1"/>
-          </p:nvPr>
-        </p:nvSpPr>
-        <p:spPr>
-          <a:prstGeom prst="rect">
-            <a:avLst/>
-          </a:prstGeom>
-        </p:spPr>
-        <p:txBody>
-          <a:bodyPr/>
+            <p:ph type="body" idx="21" hasCustomPrompt="1"/>
+          </p:nvPr>
+        </p:nvSpPr>
+        <p:spPr>
+          <a:xfrm>
+            <a:off x="1206500" y="4248503"/>
+            <a:ext cx="21971000" cy="8256014"/>
+          </a:xfrm>
+          <a:prstGeom prst="rect">
+            <a:avLst/>
+          </a:prstGeom>
+        </p:spPr>
+        <p:txBody>
+          <a:bodyPr numCol="1" spcCol="38100"/>
           <a:lstStyle/>
           <a:p>
             <a:pPr/>
             <a:r>
               <a:t>Текст пункта на слайде</a:t>
-            </a:r>
-          </a:p>
-          <a:p>
-            <a:pPr lvl="1"/>
-            <a:r>
-              <a:t/>
-            </a:r>
-          </a:p>
-          <a:p>
-            <a:pPr lvl="2"/>
-            <a:r>
-              <a:t/>
-            </a:r>
-          </a:p>
-          <a:p>
-            <a:pPr lvl="3"/>
-            <a:r>
-              <a:t/>
-            </a:r>
-          </a:p>
-          <a:p>
-            <a:pPr lvl="4"/>
-            <a:r>
-              <a:t/>
             </a:r>
           </a:p>
         </p:txBody>
@@ -2246,7 +2258,7 @@
           </a:prstGeom>
         </p:spPr>
         <p:txBody>
-          <a:bodyPr numCol="2" spcCol="1098550"/>
+          <a:bodyPr/>
           <a:lstStyle/>
           <a:p>
             <a:pPr/>
@@ -2330,23 +2342,23 @@
       </p:grpSpPr>
       <p:sp>
         <p:nvSpPr>
-          <p:cNvPr id="60" name="Подзаголовок слайда"/>
+          <p:cNvPr id="60" name="Уровень текста 1…"/>
           <p:cNvSpPr txBox="1"/>
           <p:nvPr>
-            <p:ph type="body" sz="quarter" idx="21" hasCustomPrompt="1"/>
+            <p:ph type="body" sz="quarter" idx="1" hasCustomPrompt="1"/>
           </p:nvPr>
         </p:nvSpPr>
         <p:spPr>
           <a:xfrm>
-            <a:off x="1206500" y="2372962"/>
-            <a:ext cx="9779000" cy="934780"/>
+            <a:off x="1206500" y="2372961"/>
+            <a:ext cx="9779000" cy="934781"/>
           </a:xfrm>
           <a:prstGeom prst="rect">
             <a:avLst/>
           </a:prstGeom>
         </p:spPr>
         <p:txBody>
-          <a:bodyPr lIns="45719" tIns="45719" rIns="45719" bIns="45719"/>
+          <a:bodyPr lIns="45718" tIns="45718" rIns="45718" bIns="45718" numCol="1" spcCol="38100"/>
           <a:lstStyle>
             <a:lvl1pPr marL="0" indent="0" defTabSz="825500">
               <a:lnSpc>
@@ -2359,11 +2371,71 @@
               <a:buNone/>
               <a:defRPr b="1" sz="5500"/>
             </a:lvl1pPr>
+            <a:lvl2pPr marL="1308100" indent="-698500" defTabSz="825500">
+              <a:lnSpc>
+                <a:spcPct val="100000"/>
+              </a:lnSpc>
+              <a:spcBef>
+                <a:spcPts val="0"/>
+              </a:spcBef>
+              <a:defRPr b="1" sz="5500"/>
+            </a:lvl2pPr>
+            <a:lvl3pPr marL="1917700" indent="-698500" defTabSz="825500">
+              <a:lnSpc>
+                <a:spcPct val="100000"/>
+              </a:lnSpc>
+              <a:spcBef>
+                <a:spcPts val="0"/>
+              </a:spcBef>
+              <a:defRPr b="1" sz="5500"/>
+            </a:lvl3pPr>
+            <a:lvl4pPr marL="2527300" indent="-698500" defTabSz="825500">
+              <a:lnSpc>
+                <a:spcPct val="100000"/>
+              </a:lnSpc>
+              <a:spcBef>
+                <a:spcPts val="0"/>
+              </a:spcBef>
+              <a:defRPr b="1" sz="5500"/>
+            </a:lvl4pPr>
+            <a:lvl5pPr marL="3136900" indent="-698500" defTabSz="825500">
+              <a:lnSpc>
+                <a:spcPct val="100000"/>
+              </a:lnSpc>
+              <a:spcBef>
+                <a:spcPts val="0"/>
+              </a:spcBef>
+              <a:defRPr b="1" sz="5500"/>
+            </a:lvl5pPr>
           </a:lstStyle>
           <a:p>
             <a:pPr/>
             <a:r>
               <a:t>Подзаголовок слайда</a:t>
+            </a:r>
+          </a:p>
+          <a:p>
+            <a:pPr lvl="1"/>
+            <a:r>
+              <a:t/>
+            </a:r>
+          </a:p>
+          <a:p>
+            <a:pPr lvl="2"/>
+            <a:r>
+              <a:t/>
+            </a:r>
+          </a:p>
+          <a:p>
+            <a:pPr lvl="3"/>
+            <a:r>
+              <a:t/>
+            </a:r>
+          </a:p>
+          <a:p>
+            <a:pPr lvl="4"/>
+            <a:r>
+              <a:t/>
             </a:r>
           </a:p>
         </p:txBody>
@@ -2373,49 +2445,25 @@
           <p:cNvPr id="61" name="Уровень текста 1…"/>
           <p:cNvSpPr txBox="1"/>
           <p:nvPr>
-            <p:ph type="body" sz="half" idx="1" hasCustomPrompt="1"/>
+            <p:ph type="body" sz="half" idx="21" hasCustomPrompt="1"/>
           </p:nvPr>
         </p:nvSpPr>
         <p:spPr>
           <a:xfrm>
-            <a:off x="1206500" y="4248504"/>
-            <a:ext cx="9779000" cy="8256630"/>
+            <a:off x="1206500" y="4248503"/>
+            <a:ext cx="9779000" cy="8256631"/>
           </a:xfrm>
           <a:prstGeom prst="rect">
             <a:avLst/>
           </a:prstGeom>
         </p:spPr>
         <p:txBody>
-          <a:bodyPr/>
+          <a:bodyPr numCol="1" spcCol="38100"/>
           <a:lstStyle/>
           <a:p>
             <a:pPr/>
             <a:r>
               <a:t>Текст пункта на слайде</a:t>
-            </a:r>
-          </a:p>
-          <a:p>
-            <a:pPr lvl="1"/>
-            <a:r>
-              <a:t/>
-            </a:r>
-          </a:p>
-          <a:p>
-            <a:pPr lvl="2"/>
-            <a:r>
-              <a:t/>
-            </a:r>
-          </a:p>
-          <a:p>
-            <a:pPr lvl="3"/>
-            <a:r>
-              <a:t/>
-            </a:r>
-          </a:p>
-          <a:p>
-            <a:pPr lvl="4"/>
-            <a:r>
-              <a:t/>
             </a:r>
           </a:p>
         </p:txBody>
@@ -2430,15 +2478,15 @@
         </p:nvSpPr>
         <p:spPr>
           <a:xfrm>
-            <a:off x="9271000" y="1263848"/>
-            <a:ext cx="16773843" cy="11188205"/>
+            <a:off x="9271000" y="1263847"/>
+            <a:ext cx="16773843" cy="11188206"/>
           </a:xfrm>
           <a:prstGeom prst="rect">
             <a:avLst/>
           </a:prstGeom>
         </p:spPr>
         <p:txBody>
-          <a:bodyPr lIns="91439" tIns="45719" rIns="91439" bIns="45719">
+          <a:bodyPr lIns="91439" tIns="45719" rIns="91439" bIns="45719" numCol="1" spcCol="38100">
             <a:noAutofit/>
           </a:bodyPr>
           <a:lstStyle/>
@@ -2534,7 +2582,7 @@
         <p:spPr>
           <a:xfrm>
             <a:off x="1206496" y="4533900"/>
-            <a:ext cx="21971004" cy="4648200"/>
+            <a:ext cx="21971005" cy="4648200"/>
           </a:xfrm>
           <a:prstGeom prst="rect">
             <a:avLst/>
@@ -2570,8 +2618,8 @@
         </p:nvSpPr>
         <p:spPr>
           <a:xfrm>
-            <a:off x="12001499" y="13085233"/>
-            <a:ext cx="368505" cy="374600"/>
+            <a:off x="12001500" y="13085233"/>
+            <a:ext cx="368504" cy="374600"/>
           </a:xfrm>
           <a:prstGeom prst="rect">
             <a:avLst/>
@@ -2623,7 +2671,7 @@
         <p:spPr>
           <a:xfrm>
             <a:off x="1206500" y="1079500"/>
-            <a:ext cx="21971000" cy="1434949"/>
+            <a:ext cx="21971000" cy="1434950"/>
           </a:xfrm>
           <a:prstGeom prst="rect">
             <a:avLst/>
@@ -2642,23 +2690,23 @@
       </p:sp>
       <p:sp>
         <p:nvSpPr>
-          <p:cNvPr id="80" name="Подзаголовок слайда"/>
+          <p:cNvPr id="80" name="Уровень текста 1…"/>
           <p:cNvSpPr txBox="1"/>
           <p:nvPr>
-            <p:ph type="body" sz="quarter" idx="21" hasCustomPrompt="1"/>
+            <p:ph type="body" sz="quarter" idx="1" hasCustomPrompt="1"/>
           </p:nvPr>
         </p:nvSpPr>
         <p:spPr>
           <a:xfrm>
-            <a:off x="1206500" y="2372962"/>
-            <a:ext cx="21971000" cy="934780"/>
+            <a:off x="1206500" y="2372961"/>
+            <a:ext cx="21971000" cy="934781"/>
           </a:xfrm>
           <a:prstGeom prst="rect">
             <a:avLst/>
           </a:prstGeom>
         </p:spPr>
         <p:txBody>
-          <a:bodyPr lIns="45719" tIns="45719" rIns="45719" bIns="45719"/>
+          <a:bodyPr lIns="45718" tIns="45718" rIns="45718" bIns="45718" numCol="1" spcCol="38100"/>
           <a:lstStyle>
             <a:lvl1pPr marL="0" indent="0" defTabSz="825500">
               <a:lnSpc>
@@ -2671,11 +2719,71 @@
               <a:buNone/>
               <a:defRPr b="1" sz="5500"/>
             </a:lvl1pPr>
+            <a:lvl2pPr marL="1308100" indent="-698500" defTabSz="825500">
+              <a:lnSpc>
+                <a:spcPct val="100000"/>
+              </a:lnSpc>
+              <a:spcBef>
+                <a:spcPts val="0"/>
+              </a:spcBef>
+              <a:defRPr b="1" sz="5500"/>
+            </a:lvl2pPr>
+            <a:lvl3pPr marL="1917700" indent="-698500" defTabSz="825500">
+              <a:lnSpc>
+                <a:spcPct val="100000"/>
+              </a:lnSpc>
+              <a:spcBef>
+                <a:spcPts val="0"/>
+              </a:spcBef>
+              <a:defRPr b="1" sz="5500"/>
+            </a:lvl3pPr>
+            <a:lvl4pPr marL="2527300" indent="-698500" defTabSz="825500">
+              <a:lnSpc>
+                <a:spcPct val="100000"/>
+              </a:lnSpc>
+              <a:spcBef>
+                <a:spcPts val="0"/>
+              </a:spcBef>
+              <a:defRPr b="1" sz="5500"/>
+            </a:lvl4pPr>
+            <a:lvl5pPr marL="3136900" indent="-698500" defTabSz="825500">
+              <a:lnSpc>
+                <a:spcPct val="100000"/>
+              </a:lnSpc>
+              <a:spcBef>
+                <a:spcPts val="0"/>
+              </a:spcBef>
+              <a:defRPr b="1" sz="5500"/>
+            </a:lvl5pPr>
           </a:lstStyle>
           <a:p>
             <a:pPr/>
             <a:r>
               <a:t>Подзаголовок слайда</a:t>
+            </a:r>
+          </a:p>
+          <a:p>
+            <a:pPr lvl="1"/>
+            <a:r>
+              <a:t/>
+            </a:r>
+          </a:p>
+          <a:p>
+            <a:pPr lvl="2"/>
+            <a:r>
+              <a:t/>
+            </a:r>
+          </a:p>
+          <a:p>
+            <a:pPr lvl="3"/>
+            <a:r>
+              <a:t/>
+            </a:r>
+          </a:p>
+          <a:p>
+            <a:pPr lvl="4"/>
+            <a:r>
+              <a:t/>
             </a:r>
           </a:p>
         </p:txBody>
@@ -2758,23 +2866,23 @@
       </p:sp>
       <p:sp>
         <p:nvSpPr>
-          <p:cNvPr id="89" name="Подзаголовок повестки дня"/>
+          <p:cNvPr id="89" name="Уровень текста 1…"/>
           <p:cNvSpPr txBox="1"/>
           <p:nvPr>
-            <p:ph type="body" sz="quarter" idx="21" hasCustomPrompt="1"/>
+            <p:ph type="body" sz="quarter" idx="1" hasCustomPrompt="1"/>
           </p:nvPr>
         </p:nvSpPr>
         <p:spPr>
           <a:xfrm>
-            <a:off x="1206500" y="2372962"/>
-            <a:ext cx="21971000" cy="934780"/>
+            <a:off x="1206500" y="2372961"/>
+            <a:ext cx="21971000" cy="934781"/>
           </a:xfrm>
           <a:prstGeom prst="rect">
             <a:avLst/>
           </a:prstGeom>
         </p:spPr>
         <p:txBody>
-          <a:bodyPr lIns="45719" tIns="45719" rIns="45719" bIns="45719"/>
+          <a:bodyPr lIns="45718" tIns="45718" rIns="45718" bIns="45718" numCol="1" spcCol="38100"/>
           <a:lstStyle>
             <a:lvl1pPr marL="0" indent="0" defTabSz="825500">
               <a:lnSpc>
@@ -2787,11 +2895,71 @@
               <a:buNone/>
               <a:defRPr b="1" sz="5500"/>
             </a:lvl1pPr>
+            <a:lvl2pPr marL="1308100" indent="-698500" defTabSz="825500">
+              <a:lnSpc>
+                <a:spcPct val="100000"/>
+              </a:lnSpc>
+              <a:spcBef>
+                <a:spcPts val="0"/>
+              </a:spcBef>
+              <a:defRPr b="1" sz="5500"/>
+            </a:lvl2pPr>
+            <a:lvl3pPr marL="1917700" indent="-698500" defTabSz="825500">
+              <a:lnSpc>
+                <a:spcPct val="100000"/>
+              </a:lnSpc>
+              <a:spcBef>
+                <a:spcPts val="0"/>
+              </a:spcBef>
+              <a:defRPr b="1" sz="5500"/>
+            </a:lvl3pPr>
+            <a:lvl4pPr marL="2527300" indent="-698500" defTabSz="825500">
+              <a:lnSpc>
+                <a:spcPct val="100000"/>
+              </a:lnSpc>
+              <a:spcBef>
+                <a:spcPts val="0"/>
+              </a:spcBef>
+              <a:defRPr b="1" sz="5500"/>
+            </a:lvl4pPr>
+            <a:lvl5pPr marL="3136900" indent="-698500" defTabSz="825500">
+              <a:lnSpc>
+                <a:spcPct val="100000"/>
+              </a:lnSpc>
+              <a:spcBef>
+                <a:spcPts val="0"/>
+              </a:spcBef>
+              <a:defRPr b="1" sz="5500"/>
+            </a:lvl5pPr>
           </a:lstStyle>
           <a:p>
             <a:pPr/>
             <a:r>
               <a:t>Подзаголовок повестки дня</a:t>
+            </a:r>
+          </a:p>
+          <a:p>
+            <a:pPr lvl="1"/>
+            <a:r>
+              <a:t/>
+            </a:r>
+          </a:p>
+          <a:p>
+            <a:pPr lvl="2"/>
+            <a:r>
+              <a:t/>
+            </a:r>
+          </a:p>
+          <a:p>
+            <a:pPr lvl="3"/>
+            <a:r>
+              <a:t/>
+            </a:r>
+          </a:p>
+          <a:p>
+            <a:pPr lvl="4"/>
+            <a:r>
+              <a:t/>
             </a:r>
           </a:p>
         </p:txBody>
@@ -2801,16 +2969,20 @@
           <p:cNvPr id="90" name="Уровень текста 1…"/>
           <p:cNvSpPr txBox="1"/>
           <p:nvPr>
-            <p:ph type="body" idx="1" hasCustomPrompt="1"/>
-          </p:nvPr>
-        </p:nvSpPr>
-        <p:spPr>
-          <a:prstGeom prst="rect">
-            <a:avLst/>
-          </a:prstGeom>
-        </p:spPr>
-        <p:txBody>
-          <a:bodyPr/>
+            <p:ph type="body" idx="21" hasCustomPrompt="1"/>
+          </p:nvPr>
+        </p:nvSpPr>
+        <p:spPr>
+          <a:xfrm>
+            <a:off x="1206500" y="4248503"/>
+            <a:ext cx="21971000" cy="8256014"/>
+          </a:xfrm>
+          <a:prstGeom prst="rect">
+            <a:avLst/>
+          </a:prstGeom>
+        </p:spPr>
+        <p:txBody>
+          <a:bodyPr numCol="1" spcCol="38100"/>
           <a:lstStyle>
             <a:lvl1pPr marL="0" indent="0" defTabSz="825500">
               <a:lnSpc>
@@ -2821,81 +2993,13 @@
               </a:spcBef>
               <a:buSzTx/>
               <a:buNone/>
-              <a:defRPr spc="-55" sz="5500"/>
+              <a:defRPr spc="-99" sz="5500"/>
             </a:lvl1pPr>
-            <a:lvl2pPr marL="0" indent="457200" defTabSz="825500">
-              <a:lnSpc>
-                <a:spcPct val="100000"/>
-              </a:lnSpc>
-              <a:spcBef>
-                <a:spcPts val="1800"/>
-              </a:spcBef>
-              <a:buSzTx/>
-              <a:buNone/>
-              <a:defRPr spc="-55" sz="5500"/>
-            </a:lvl2pPr>
-            <a:lvl3pPr marL="0" indent="914400" defTabSz="825500">
-              <a:lnSpc>
-                <a:spcPct val="100000"/>
-              </a:lnSpc>
-              <a:spcBef>
-                <a:spcPts val="1800"/>
-              </a:spcBef>
-              <a:buSzTx/>
-              <a:buNone/>
-              <a:defRPr spc="-55" sz="5500"/>
-            </a:lvl3pPr>
-            <a:lvl4pPr marL="0" indent="1371600" defTabSz="825500">
-              <a:lnSpc>
-                <a:spcPct val="100000"/>
-              </a:lnSpc>
-              <a:spcBef>
-                <a:spcPts val="1800"/>
-              </a:spcBef>
-              <a:buSzTx/>
-              <a:buNone/>
-              <a:defRPr spc="-55" sz="5500"/>
-            </a:lvl4pPr>
-            <a:lvl5pPr marL="0" indent="1828800" defTabSz="825500">
-              <a:lnSpc>
-                <a:spcPct val="100000"/>
-              </a:lnSpc>
-              <a:spcBef>
-                <a:spcPts val="1800"/>
-              </a:spcBef>
-              <a:buSzTx/>
-              <a:buNone/>
-              <a:defRPr spc="-55" sz="5500"/>
-            </a:lvl5pPr>
           </a:lstStyle>
           <a:p>
             <a:pPr/>
             <a:r>
               <a:t>Темы повестки дня</a:t>
-            </a:r>
-          </a:p>
-          <a:p>
-            <a:pPr lvl="1"/>
-            <a:r>
-              <a:t/>
-            </a:r>
-          </a:p>
-          <a:p>
-            <a:pPr lvl="2"/>
-            <a:r>
-              <a:t/>
-            </a:r>
-          </a:p>
-          <a:p>
-            <a:pPr lvl="3"/>
-            <a:r>
-              <a:t/>
-            </a:r>
-          </a:p>
-          <a:p>
-            <a:pPr lvl="4"/>
-            <a:r>
-              <a:t/>
             </a:r>
           </a:p>
         </p:txBody>
@@ -2961,16 +3065,16 @@
       </p:grpSpPr>
       <p:sp>
         <p:nvSpPr>
-          <p:cNvPr id="2" name="Заголовок слайда"/>
+          <p:cNvPr id="2" name="Уровень текста 1…"/>
           <p:cNvSpPr txBox="1"/>
           <p:nvPr>
-            <p:ph type="title" hasCustomPrompt="1"/>
+            <p:ph type="body" idx="1" hasCustomPrompt="1"/>
           </p:nvPr>
         </p:nvSpPr>
         <p:spPr>
           <a:xfrm>
-            <a:off x="1206500" y="1079500"/>
-            <a:ext cx="21971000" cy="1433163"/>
+            <a:off x="1206500" y="4248503"/>
+            <a:ext cx="21971000" cy="8256014"/>
           </a:xfrm>
           <a:prstGeom prst="rect">
             <a:avLst/>
@@ -2985,30 +3089,54 @@
           </a:extLst>
         </p:spPr>
         <p:txBody>
-          <a:bodyPr lIns="50800" tIns="50800" rIns="50800" bIns="50800">
+          <a:bodyPr lIns="50800" tIns="50800" rIns="50800" bIns="50800" numCol="2" spcCol="1098550">
             <a:normAutofit fontScale="100000" lnSpcReduction="0"/>
           </a:bodyPr>
           <a:lstStyle/>
           <a:p>
             <a:pPr/>
             <a:r>
-              <a:t>Заголовок слайда</a:t>
-            </a:r>
-          </a:p>
-        </p:txBody>
-      </p:sp>
-      <p:sp>
-        <p:nvSpPr>
-          <p:cNvPr id="3" name="Уровень текста 1…"/>
+              <a:t>Текст пункта на слайде</a:t>
+            </a:r>
+          </a:p>
+          <a:p>
+            <a:pPr lvl="1"/>
+            <a:r>
+              <a:t/>
+            </a:r>
+          </a:p>
+          <a:p>
+            <a:pPr lvl="2"/>
+            <a:r>
+              <a:t/>
+            </a:r>
+          </a:p>
+          <a:p>
+            <a:pPr lvl="3"/>
+            <a:r>
+              <a:t/>
+            </a:r>
+          </a:p>
+          <a:p>
+            <a:pPr lvl="4"/>
+            <a:r>
+              <a:t/>
+            </a:r>
+          </a:p>
+        </p:txBody>
+      </p:sp>
+      <p:sp>
+        <p:nvSpPr>
+          <p:cNvPr id="3" name="Текст заголовка"/>
           <p:cNvSpPr txBox="1"/>
           <p:nvPr>
-            <p:ph type="body" idx="1" hasCustomPrompt="1"/>
+            <p:ph type="title"/>
           </p:nvPr>
         </p:nvSpPr>
         <p:spPr>
           <a:xfrm>
-            <a:off x="1206500" y="4248504"/>
-            <a:ext cx="21971000" cy="8256012"/>
+            <a:off x="3653366" y="2743200"/>
+            <a:ext cx="19507201" cy="1505304"/>
           </a:xfrm>
           <a:prstGeom prst="rect">
             <a:avLst/>
@@ -3030,31 +3158,7 @@
           <a:p>
             <a:pPr/>
             <a:r>
-              <a:t>Текст пункта на слайде</a:t>
-            </a:r>
-          </a:p>
-          <a:p>
-            <a:pPr lvl="1"/>
-            <a:r>
-              <a:t/>
-            </a:r>
-          </a:p>
-          <a:p>
-            <a:pPr lvl="2"/>
-            <a:r>
-              <a:t/>
-            </a:r>
-          </a:p>
-          <a:p>
-            <a:pPr lvl="3"/>
-            <a:r>
-              <a:t/>
-            </a:r>
-          </a:p>
-          <a:p>
-            <a:pPr lvl="4"/>
-            <a:r>
-              <a:t/>
+              <a:t>Текст заголовка</a:t>
             </a:r>
           </a:p>
         </p:txBody>
@@ -3069,8 +3173,8 @@
         </p:nvSpPr>
         <p:spPr>
           <a:xfrm>
-            <a:off x="12001499" y="13080999"/>
-            <a:ext cx="368505" cy="374600"/>
+            <a:off x="12001500" y="13080999"/>
+            <a:ext cx="368504" cy="374600"/>
           </a:xfrm>
           <a:prstGeom prst="rect">
             <a:avLst/>
@@ -3121,7 +3225,7 @@
   <p:transition xmlns:p14="http://schemas.microsoft.com/office/powerpoint/2010/main" spd="med" advClick="1"/>
   <p:txStyles>
     <p:titleStyle>
-      <a:lvl1pPr marL="0" marR="0" indent="0" algn="l" defTabSz="2438338" rtl="0" latinLnBrk="0">
+      <a:lvl1pPr marL="0" marR="0" indent="0" algn="l" defTabSz="2438337" rtl="0" latinLnBrk="0">
         <a:lnSpc>
           <a:spcPct val="80000"/>
         </a:lnSpc>
@@ -3147,7 +3251,7 @@
           <a:sym typeface="Helvetica Neue"/>
         </a:defRPr>
       </a:lvl1pPr>
-      <a:lvl2pPr marL="0" marR="0" indent="457200" algn="l" defTabSz="2438338" rtl="0" latinLnBrk="0">
+      <a:lvl2pPr marL="0" marR="0" indent="0" algn="l" defTabSz="2438337" rtl="0" latinLnBrk="0">
         <a:lnSpc>
           <a:spcPct val="80000"/>
         </a:lnSpc>
@@ -3173,7 +3277,7 @@
           <a:sym typeface="Helvetica Neue"/>
         </a:defRPr>
       </a:lvl2pPr>
-      <a:lvl3pPr marL="0" marR="0" indent="914400" algn="l" defTabSz="2438338" rtl="0" latinLnBrk="0">
+      <a:lvl3pPr marL="0" marR="0" indent="0" algn="l" defTabSz="2438337" rtl="0" latinLnBrk="0">
         <a:lnSpc>
           <a:spcPct val="80000"/>
         </a:lnSpc>
@@ -3199,7 +3303,7 @@
           <a:sym typeface="Helvetica Neue"/>
         </a:defRPr>
       </a:lvl3pPr>
-      <a:lvl4pPr marL="0" marR="0" indent="1371600" algn="l" defTabSz="2438338" rtl="0" latinLnBrk="0">
+      <a:lvl4pPr marL="0" marR="0" indent="0" algn="l" defTabSz="2438337" rtl="0" latinLnBrk="0">
         <a:lnSpc>
           <a:spcPct val="80000"/>
         </a:lnSpc>
@@ -3225,7 +3329,7 @@
           <a:sym typeface="Helvetica Neue"/>
         </a:defRPr>
       </a:lvl4pPr>
-      <a:lvl5pPr marL="0" marR="0" indent="1828800" algn="l" defTabSz="2438338" rtl="0" latinLnBrk="0">
+      <a:lvl5pPr marL="0" marR="0" indent="0" algn="l" defTabSz="2438337" rtl="0" latinLnBrk="0">
         <a:lnSpc>
           <a:spcPct val="80000"/>
         </a:lnSpc>
@@ -3251,7 +3355,7 @@
           <a:sym typeface="Helvetica Neue"/>
         </a:defRPr>
       </a:lvl5pPr>
-      <a:lvl6pPr marL="0" marR="0" indent="2286000" algn="l" defTabSz="2438338" rtl="0" latinLnBrk="0">
+      <a:lvl6pPr marL="0" marR="0" indent="0" algn="l" defTabSz="2438337" rtl="0" latinLnBrk="0">
         <a:lnSpc>
           <a:spcPct val="80000"/>
         </a:lnSpc>
@@ -3277,7 +3381,7 @@
           <a:sym typeface="Helvetica Neue"/>
         </a:defRPr>
       </a:lvl6pPr>
-      <a:lvl7pPr marL="0" marR="0" indent="2743200" algn="l" defTabSz="2438338" rtl="0" latinLnBrk="0">
+      <a:lvl7pPr marL="0" marR="0" indent="0" algn="l" defTabSz="2438337" rtl="0" latinLnBrk="0">
         <a:lnSpc>
           <a:spcPct val="80000"/>
         </a:lnSpc>
@@ -3303,7 +3407,7 @@
           <a:sym typeface="Helvetica Neue"/>
         </a:defRPr>
       </a:lvl7pPr>
-      <a:lvl8pPr marL="0" marR="0" indent="3200400" algn="l" defTabSz="2438338" rtl="0" latinLnBrk="0">
+      <a:lvl8pPr marL="0" marR="0" indent="0" algn="l" defTabSz="2438337" rtl="0" latinLnBrk="0">
         <a:lnSpc>
           <a:spcPct val="80000"/>
         </a:lnSpc>
@@ -3329,7 +3433,7 @@
           <a:sym typeface="Helvetica Neue"/>
         </a:defRPr>
       </a:lvl8pPr>
-      <a:lvl9pPr marL="0" marR="0" indent="3657600" algn="l" defTabSz="2438338" rtl="0" latinLnBrk="0">
+      <a:lvl9pPr marL="0" marR="0" indent="0" algn="l" defTabSz="2438337" rtl="0" latinLnBrk="0">
         <a:lnSpc>
           <a:spcPct val="80000"/>
         </a:lnSpc>
@@ -3357,7 +3461,7 @@
       </a:lvl9pPr>
     </p:titleStyle>
     <p:bodyStyle>
-      <a:lvl1pPr marL="609600" marR="0" indent="-609600" algn="l" defTabSz="2438338" rtl="0" latinLnBrk="0">
+      <a:lvl1pPr marL="609600" marR="0" indent="-609600" algn="l" defTabSz="2438337" rtl="0" latinLnBrk="0">
         <a:lnSpc>
           <a:spcPct val="90000"/>
         </a:lnSpc>
@@ -3383,7 +3487,7 @@
           <a:sym typeface="Helvetica Neue"/>
         </a:defRPr>
       </a:lvl1pPr>
-      <a:lvl2pPr marL="1219200" marR="0" indent="-609600" algn="l" defTabSz="2438338" rtl="0" latinLnBrk="0">
+      <a:lvl2pPr marL="1219200" marR="0" indent="-609600" algn="l" defTabSz="2438337" rtl="0" latinLnBrk="0">
         <a:lnSpc>
           <a:spcPct val="90000"/>
         </a:lnSpc>
@@ -3409,7 +3513,7 @@
           <a:sym typeface="Helvetica Neue"/>
         </a:defRPr>
       </a:lvl2pPr>
-      <a:lvl3pPr marL="1828800" marR="0" indent="-609600" algn="l" defTabSz="2438338" rtl="0" latinLnBrk="0">
+      <a:lvl3pPr marL="1828800" marR="0" indent="-609600" algn="l" defTabSz="2438337" rtl="0" latinLnBrk="0">
         <a:lnSpc>
           <a:spcPct val="90000"/>
         </a:lnSpc>
@@ -3435,7 +3539,7 @@
           <a:sym typeface="Helvetica Neue"/>
         </a:defRPr>
       </a:lvl3pPr>
-      <a:lvl4pPr marL="2438400" marR="0" indent="-609600" algn="l" defTabSz="2438338" rtl="0" latinLnBrk="0">
+      <a:lvl4pPr marL="2438400" marR="0" indent="-609600" algn="l" defTabSz="2438337" rtl="0" latinLnBrk="0">
         <a:lnSpc>
           <a:spcPct val="90000"/>
         </a:lnSpc>
@@ -3461,7 +3565,7 @@
           <a:sym typeface="Helvetica Neue"/>
         </a:defRPr>
       </a:lvl4pPr>
-      <a:lvl5pPr marL="3048000" marR="0" indent="-609600" algn="l" defTabSz="2438338" rtl="0" latinLnBrk="0">
+      <a:lvl5pPr marL="3048000" marR="0" indent="-609600" algn="l" defTabSz="2438337" rtl="0" latinLnBrk="0">
         <a:lnSpc>
           <a:spcPct val="90000"/>
         </a:lnSpc>
@@ -3487,7 +3591,7 @@
           <a:sym typeface="Helvetica Neue"/>
         </a:defRPr>
       </a:lvl5pPr>
-      <a:lvl6pPr marL="3657600" marR="0" indent="-609600" algn="l" defTabSz="2438338" rtl="0" latinLnBrk="0">
+      <a:lvl6pPr marL="3657600" marR="0" indent="-609600" algn="l" defTabSz="2438337" rtl="0" latinLnBrk="0">
         <a:lnSpc>
           <a:spcPct val="90000"/>
         </a:lnSpc>
@@ -3513,7 +3617,7 @@
           <a:sym typeface="Helvetica Neue"/>
         </a:defRPr>
       </a:lvl6pPr>
-      <a:lvl7pPr marL="4267200" marR="0" indent="-609600" algn="l" defTabSz="2438338" rtl="0" latinLnBrk="0">
+      <a:lvl7pPr marL="4267200" marR="0" indent="-609600" algn="l" defTabSz="2438337" rtl="0" latinLnBrk="0">
         <a:lnSpc>
           <a:spcPct val="90000"/>
         </a:lnSpc>
@@ -3539,7 +3643,7 @@
           <a:sym typeface="Helvetica Neue"/>
         </a:defRPr>
       </a:lvl7pPr>
-      <a:lvl8pPr marL="4876800" marR="0" indent="-609600" algn="l" defTabSz="2438338" rtl="0" latinLnBrk="0">
+      <a:lvl8pPr marL="4876800" marR="0" indent="-609600" algn="l" defTabSz="2438337" rtl="0" latinLnBrk="0">
         <a:lnSpc>
           <a:spcPct val="90000"/>
         </a:lnSpc>
@@ -3565,7 +3669,7 @@
           <a:sym typeface="Helvetica Neue"/>
         </a:defRPr>
       </a:lvl8pPr>
-      <a:lvl9pPr marL="5486400" marR="0" indent="-609600" algn="l" defTabSz="2438338" rtl="0" latinLnBrk="0">
+      <a:lvl9pPr marL="5486400" marR="0" indent="-609600" algn="l" defTabSz="2438337" rtl="0" latinLnBrk="0">
         <a:lnSpc>
           <a:spcPct val="90000"/>
         </a:lnSpc>
@@ -3619,7 +3723,7 @@
           <a:sym typeface="Helvetica Neue"/>
         </a:defRPr>
       </a:lvl1pPr>
-      <a:lvl2pPr marL="0" marR="0" indent="457200" algn="ctr" defTabSz="584200" rtl="0" latinLnBrk="0">
+      <a:lvl2pPr marL="0" marR="0" indent="0" algn="ctr" defTabSz="584200" rtl="0" latinLnBrk="0">
         <a:lnSpc>
           <a:spcPct val="100000"/>
         </a:lnSpc>
@@ -3645,7 +3749,7 @@
           <a:sym typeface="Helvetica Neue"/>
         </a:defRPr>
       </a:lvl2pPr>
-      <a:lvl3pPr marL="0" marR="0" indent="914400" algn="ctr" defTabSz="584200" rtl="0" latinLnBrk="0">
+      <a:lvl3pPr marL="0" marR="0" indent="0" algn="ctr" defTabSz="584200" rtl="0" latinLnBrk="0">
         <a:lnSpc>
           <a:spcPct val="100000"/>
         </a:lnSpc>
@@ -3671,7 +3775,7 @@
           <a:sym typeface="Helvetica Neue"/>
         </a:defRPr>
       </a:lvl3pPr>
-      <a:lvl4pPr marL="0" marR="0" indent="1371600" algn="ctr" defTabSz="584200" rtl="0" latinLnBrk="0">
+      <a:lvl4pPr marL="0" marR="0" indent="0" algn="ctr" defTabSz="584200" rtl="0" latinLnBrk="0">
         <a:lnSpc>
           <a:spcPct val="100000"/>
         </a:lnSpc>
@@ -3697,7 +3801,7 @@
           <a:sym typeface="Helvetica Neue"/>
         </a:defRPr>
       </a:lvl4pPr>
-      <a:lvl5pPr marL="0" marR="0" indent="1828800" algn="ctr" defTabSz="584200" rtl="0" latinLnBrk="0">
+      <a:lvl5pPr marL="0" marR="0" indent="0" algn="ctr" defTabSz="584200" rtl="0" latinLnBrk="0">
         <a:lnSpc>
           <a:spcPct val="100000"/>
         </a:lnSpc>
@@ -3723,7 +3827,7 @@
           <a:sym typeface="Helvetica Neue"/>
         </a:defRPr>
       </a:lvl5pPr>
-      <a:lvl6pPr marL="0" marR="0" indent="2286000" algn="ctr" defTabSz="584200" rtl="0" latinLnBrk="0">
+      <a:lvl6pPr marL="0" marR="0" indent="0" algn="ctr" defTabSz="584200" rtl="0" latinLnBrk="0">
         <a:lnSpc>
           <a:spcPct val="100000"/>
         </a:lnSpc>
@@ -3749,7 +3853,7 @@
           <a:sym typeface="Helvetica Neue"/>
         </a:defRPr>
       </a:lvl6pPr>
-      <a:lvl7pPr marL="0" marR="0" indent="2743200" algn="ctr" defTabSz="584200" rtl="0" latinLnBrk="0">
+      <a:lvl7pPr marL="0" marR="0" indent="0" algn="ctr" defTabSz="584200" rtl="0" latinLnBrk="0">
         <a:lnSpc>
           <a:spcPct val="100000"/>
         </a:lnSpc>
@@ -3775,7 +3879,7 @@
           <a:sym typeface="Helvetica Neue"/>
         </a:defRPr>
       </a:lvl7pPr>
-      <a:lvl8pPr marL="0" marR="0" indent="3200400" algn="ctr" defTabSz="584200" rtl="0" latinLnBrk="0">
+      <a:lvl8pPr marL="0" marR="0" indent="0" algn="ctr" defTabSz="584200" rtl="0" latinLnBrk="0">
         <a:lnSpc>
           <a:spcPct val="100000"/>
         </a:lnSpc>
@@ -3801,7 +3905,7 @@
           <a:sym typeface="Helvetica Neue"/>
         </a:defRPr>
       </a:lvl8pPr>
-      <a:lvl9pPr marL="0" marR="0" indent="3657600" algn="ctr" defTabSz="584200" rtl="0" latinLnBrk="0">
+      <a:lvl9pPr marL="0" marR="0" indent="0" algn="ctr" defTabSz="584200" rtl="0" latinLnBrk="0">
         <a:lnSpc>
           <a:spcPct val="100000"/>
         </a:lnSpc>
@@ -3854,13 +3958,78 @@
           <p:cNvPr id="151" name="Аляутдинов Артур, Ситников Глеб"/>
           <p:cNvSpPr txBox="1"/>
           <p:nvPr>
-            <p:ph type="body" idx="21"/>
-          </p:nvPr>
-        </p:nvSpPr>
-        <p:spPr>
-          <a:prstGeom prst="rect">
-            <a:avLst/>
-          </a:prstGeom>
+            <p:ph type="body" sz="quarter" idx="1"/>
+          </p:nvPr>
+        </p:nvSpPr>
+        <p:spPr>
+          <a:xfrm>
+            <a:off x="1201341" y="11859862"/>
+            <a:ext cx="21971002" cy="636980"/>
+          </a:xfrm>
+          <a:prstGeom prst="rect">
+            <a:avLst/>
+          </a:prstGeom>
+        </p:spPr>
+        <p:txBody>
+          <a:bodyPr/>
+          <a:lstStyle/>
+          <a:p>
+            <a:pPr/>
+            <a:r>
+              <a:t>Аляутдинов Артур, Ситников Глеб</a:t>
+            </a:r>
+          </a:p>
+        </p:txBody>
+      </p:sp>
+      <p:sp>
+        <p:nvSpPr>
+          <p:cNvPr id="152" name="Проект"/>
+          <p:cNvSpPr txBox="1"/>
+          <p:nvPr>
+            <p:ph type="title"/>
+          </p:nvPr>
+        </p:nvSpPr>
+        <p:spPr>
+          <a:xfrm>
+            <a:off x="1206495" y="2574990"/>
+            <a:ext cx="21971006" cy="4648203"/>
+          </a:xfrm>
+          <a:prstGeom prst="rect">
+            <a:avLst/>
+          </a:prstGeom>
+        </p:spPr>
+        <p:txBody>
+          <a:bodyPr/>
+          <a:lstStyle>
+            <a:lvl1pPr>
+              <a:defRPr spc="-300"/>
+            </a:lvl1pPr>
+          </a:lstStyle>
+          <a:p>
+            <a:pPr/>
+            <a:r>
+              <a:t>Проект</a:t>
+            </a:r>
+          </a:p>
+        </p:txBody>
+      </p:sp>
+      <p:sp>
+        <p:nvSpPr>
+          <p:cNvPr id="153" name="Minecraft 2D"/>
+          <p:cNvSpPr txBox="1"/>
+          <p:nvPr/>
+        </p:nvSpPr>
+        <p:spPr>
+          <a:xfrm>
+            <a:off x="1201342" y="7223190"/>
+            <a:ext cx="21971002" cy="1905002"/>
+          </a:xfrm>
+          <a:prstGeom prst="rect">
+            <a:avLst/>
+          </a:prstGeom>
+          <a:ln w="12700">
+            <a:miter lim="400000"/>
+          </a:ln>
           <a:extLst>
             <a:ext uri="{C572A759-6A51-4108-AA02-DFA0A04FC94B}">
               <ma14:wrappingTextBoxFlag xmlns:ma14="http://schemas.microsoft.com/office/mac/drawingml/2011/main" val="1"/>
@@ -3868,56 +4037,18 @@
           </a:extLst>
         </p:spPr>
         <p:txBody>
-          <a:bodyPr/>
-          <a:lstStyle/>
-          <a:p>
-            <a:pPr/>
-            <a:r>
-              <a:t>Аляутдинов Артур, Ситников Глеб</a:t>
-            </a:r>
-          </a:p>
-        </p:txBody>
-      </p:sp>
-      <p:sp>
-        <p:nvSpPr>
-          <p:cNvPr id="152" name="Проект"/>
-          <p:cNvSpPr txBox="1"/>
-          <p:nvPr>
-            <p:ph type="ctrTitle"/>
-          </p:nvPr>
-        </p:nvSpPr>
-        <p:spPr>
-          <a:prstGeom prst="rect">
-            <a:avLst/>
-          </a:prstGeom>
-        </p:spPr>
-        <p:txBody>
-          <a:bodyPr/>
-          <a:lstStyle/>
-          <a:p>
-            <a:pPr/>
-            <a:r>
-              <a:t>Проект</a:t>
-            </a:r>
-          </a:p>
-        </p:txBody>
-      </p:sp>
-      <p:sp>
-        <p:nvSpPr>
-          <p:cNvPr id="153" name="Minecraft 2D"/>
-          <p:cNvSpPr txBox="1"/>
-          <p:nvPr>
-            <p:ph type="subTitle" sz="quarter" idx="1"/>
-          </p:nvPr>
-        </p:nvSpPr>
-        <p:spPr>
-          <a:prstGeom prst="rect">
-            <a:avLst/>
-          </a:prstGeom>
-        </p:spPr>
-        <p:txBody>
-          <a:bodyPr/>
-          <a:lstStyle/>
+          <a:bodyPr lIns="50800" tIns="50800" rIns="50800" bIns="50800">
+            <a:normAutofit fontScale="100000" lnSpcReduction="0"/>
+          </a:bodyPr>
+          <a:lstStyle>
+            <a:lvl1pPr algn="l" defTabSz="825500">
+              <a:defRPr b="1" sz="5500">
+                <a:solidFill>
+                  <a:srgbClr val="000000"/>
+                </a:solidFill>
+              </a:defRPr>
+            </a:lvl1pPr>
+          </a:lstStyle>
           <a:p>
             <a:pPr/>
             <a:r>
@@ -3961,6 +4092,10 @@
           </p:nvPr>
         </p:nvSpPr>
         <p:spPr>
+          <a:xfrm>
+            <a:off x="1206500" y="1079499"/>
+            <a:ext cx="21971000" cy="1433165"/>
+          </a:xfrm>
           <a:prstGeom prst="rect">
             <a:avLst/>
           </a:prstGeom>
@@ -3978,10 +4113,14 @@
           <p:cNvPr id="193" name="Подзаголовок слайда"/>
           <p:cNvSpPr txBox="1"/>
           <p:nvPr>
-            <p:ph type="body" idx="21"/>
-          </p:nvPr>
-        </p:nvSpPr>
-        <p:spPr>
+            <p:ph type="body" sz="quarter" idx="1"/>
+          </p:nvPr>
+        </p:nvSpPr>
+        <p:spPr>
+          <a:xfrm>
+            <a:off x="1206500" y="2372961"/>
+            <a:ext cx="21971000" cy="934780"/>
+          </a:xfrm>
           <a:prstGeom prst="rect">
             <a:avLst/>
           </a:prstGeom>
@@ -3999,13 +4138,18 @@
           <p:cNvPr id="194" name="Спасибо за внимание"/>
           <p:cNvSpPr txBox="1"/>
           <p:nvPr>
-            <p:ph type="body" idx="1"/>
-          </p:nvPr>
-        </p:nvSpPr>
-        <p:spPr>
-          <a:prstGeom prst="rect">
-            <a:avLst/>
-          </a:prstGeom>
+            <p:ph type="body" idx="21"/>
+          </p:nvPr>
+        </p:nvSpPr>
+        <p:spPr>
+          <a:prstGeom prst="rect">
+            <a:avLst/>
+          </a:prstGeom>
+          <a:extLst>
+            <a:ext uri="{C572A759-6A51-4108-AA02-DFA0A04FC94B}">
+              <ma14:wrappingTextBoxFlag xmlns:ma14="http://schemas.microsoft.com/office/mac/drawingml/2011/main" val="1"/>
+            </a:ext>
+          </a:extLst>
         </p:spPr>
         <p:txBody>
           <a:bodyPr/>
@@ -4053,6 +4197,42 @@
           </p:nvPr>
         </p:nvSpPr>
         <p:spPr>
+          <a:xfrm>
+            <a:off x="1206500" y="1079499"/>
+            <a:ext cx="21971000" cy="1433165"/>
+          </a:xfrm>
+          <a:prstGeom prst="rect">
+            <a:avLst/>
+          </a:prstGeom>
+        </p:spPr>
+        <p:txBody>
+          <a:bodyPr/>
+          <a:lstStyle>
+            <a:lvl1pPr>
+              <a:defRPr spc="-200"/>
+            </a:lvl1pPr>
+          </a:lstStyle>
+          <a:p>
+            <a:pPr/>
+            <a:r>
+              <a:t>Технологии</a:t>
+            </a:r>
+          </a:p>
+        </p:txBody>
+      </p:sp>
+      <p:sp>
+        <p:nvSpPr>
+          <p:cNvPr id="156" name="Подзаголовок слайда"/>
+          <p:cNvSpPr txBox="1"/>
+          <p:nvPr>
+            <p:ph type="body" sz="quarter" idx="1"/>
+          </p:nvPr>
+        </p:nvSpPr>
+        <p:spPr>
+          <a:xfrm>
+            <a:off x="1206500" y="2372961"/>
+            <a:ext cx="21971000" cy="934780"/>
+          </a:xfrm>
           <a:prstGeom prst="rect">
             <a:avLst/>
           </a:prstGeom>
@@ -4062,30 +4242,6 @@
           <a:lstStyle/>
           <a:p>
             <a:pPr/>
-            <a:r>
-              <a:t>Технологии</a:t>
-            </a:r>
-          </a:p>
-        </p:txBody>
-      </p:sp>
-      <p:sp>
-        <p:nvSpPr>
-          <p:cNvPr id="156" name="Подзаголовок слайда"/>
-          <p:cNvSpPr txBox="1"/>
-          <p:nvPr>
-            <p:ph type="body" idx="21"/>
-          </p:nvPr>
-        </p:nvSpPr>
-        <p:spPr>
-          <a:prstGeom prst="rect">
-            <a:avLst/>
-          </a:prstGeom>
-        </p:spPr>
-        <p:txBody>
-          <a:bodyPr/>
-          <a:lstStyle/>
-          <a:p>
-            <a:pPr/>
           </a:p>
         </p:txBody>
       </p:sp>
@@ -4094,13 +4250,18 @@
           <p:cNvPr id="157" name="pygame…"/>
           <p:cNvSpPr txBox="1"/>
           <p:nvPr>
-            <p:ph type="body" idx="1"/>
-          </p:nvPr>
-        </p:nvSpPr>
-        <p:spPr>
-          <a:prstGeom prst="rect">
-            <a:avLst/>
-          </a:prstGeom>
+            <p:ph type="body" idx="21"/>
+          </p:nvPr>
+        </p:nvSpPr>
+        <p:spPr>
+          <a:prstGeom prst="rect">
+            <a:avLst/>
+          </a:prstGeom>
+          <a:extLst>
+            <a:ext uri="{C572A759-6A51-4108-AA02-DFA0A04FC94B}">
+              <ma14:wrappingTextBoxFlag xmlns:ma14="http://schemas.microsoft.com/office/mac/drawingml/2011/main" val="1"/>
+            </a:ext>
+          </a:extLst>
         </p:spPr>
         <p:txBody>
           <a:bodyPr/>
@@ -4166,6 +4327,42 @@
           </p:nvPr>
         </p:nvSpPr>
         <p:spPr>
+          <a:xfrm>
+            <a:off x="1206500" y="1079499"/>
+            <a:ext cx="21971000" cy="1433165"/>
+          </a:xfrm>
+          <a:prstGeom prst="rect">
+            <a:avLst/>
+          </a:prstGeom>
+        </p:spPr>
+        <p:txBody>
+          <a:bodyPr/>
+          <a:lstStyle>
+            <a:lvl1pPr>
+              <a:defRPr spc="-200"/>
+            </a:lvl1pPr>
+          </a:lstStyle>
+          <a:p>
+            <a:pPr/>
+            <a:r>
+              <a:t>Проект</a:t>
+            </a:r>
+          </a:p>
+        </p:txBody>
+      </p:sp>
+      <p:sp>
+        <p:nvSpPr>
+          <p:cNvPr id="160" name="Подзаголовок слайда"/>
+          <p:cNvSpPr txBox="1"/>
+          <p:nvPr>
+            <p:ph type="body" sz="quarter" idx="1"/>
+          </p:nvPr>
+        </p:nvSpPr>
+        <p:spPr>
+          <a:xfrm>
+            <a:off x="1206500" y="2372961"/>
+            <a:ext cx="21971000" cy="934780"/>
+          </a:xfrm>
           <a:prstGeom prst="rect">
             <a:avLst/>
           </a:prstGeom>
@@ -4175,15 +4372,12 @@
           <a:lstStyle/>
           <a:p>
             <a:pPr/>
-            <a:r>
-              <a:t>Проект</a:t>
-            </a:r>
-          </a:p>
-        </p:txBody>
-      </p:sp>
-      <p:sp>
-        <p:nvSpPr>
-          <p:cNvPr id="160" name="Подзаголовок слайда"/>
+          </a:p>
+        </p:txBody>
+      </p:sp>
+      <p:sp>
+        <p:nvSpPr>
+          <p:cNvPr id="161" name="3759 строк…"/>
           <p:cNvSpPr txBox="1"/>
           <p:nvPr>
             <p:ph type="body" idx="21"/>
@@ -4193,35 +4387,19 @@
           <a:prstGeom prst="rect">
             <a:avLst/>
           </a:prstGeom>
+          <a:extLst>
+            <a:ext uri="{C572A759-6A51-4108-AA02-DFA0A04FC94B}">
+              <ma14:wrappingTextBoxFlag xmlns:ma14="http://schemas.microsoft.com/office/mac/drawingml/2011/main" val="1"/>
+            </a:ext>
+          </a:extLst>
         </p:spPr>
         <p:txBody>
           <a:bodyPr/>
           <a:lstStyle/>
           <a:p>
             <a:pPr/>
-          </a:p>
-        </p:txBody>
-      </p:sp>
-      <p:sp>
-        <p:nvSpPr>
-          <p:cNvPr id="161" name="3759 строк…"/>
-          <p:cNvSpPr txBox="1"/>
-          <p:nvPr>
-            <p:ph type="body" idx="1"/>
-          </p:nvPr>
-        </p:nvSpPr>
-        <p:spPr>
-          <a:prstGeom prst="rect">
-            <a:avLst/>
-          </a:prstGeom>
-        </p:spPr>
-        <p:txBody>
-          <a:bodyPr/>
-          <a:lstStyle/>
-          <a:p>
-            <a:pPr/>
-            <a:r>
-              <a:t>3759 строк</a:t>
+            <a:r>
+              <a:t>4353 строк</a:t>
             </a:r>
           </a:p>
           <a:p>
@@ -4268,22 +4446,27 @@
         </p:nvSpPr>
         <p:spPr>
           <a:xfrm>
-            <a:off x="5902462" y="512777"/>
-            <a:ext cx="12579076" cy="2052025"/>
+            <a:off x="5902461" y="512777"/>
+            <a:ext cx="12579077" cy="2052025"/>
           </a:xfrm>
           <a:prstGeom prst="rect">
             <a:avLst/>
           </a:prstGeom>
         </p:spPr>
         <p:txBody>
-          <a:bodyPr/>
+          <a:bodyPr lIns="50800" tIns="50800" rIns="50800" bIns="50800"/>
           <a:lstStyle/>
           <a:p>
-            <a:pPr marL="591312" indent="-591312" defTabSz="2365188">
+            <a:pPr marL="591311" indent="-591311" defTabSz="2365187">
+              <a:lnSpc>
+                <a:spcPct val="90000"/>
+              </a:lnSpc>
               <a:spcBef>
                 <a:spcPts val="4300"/>
               </a:spcBef>
-              <a:defRPr sz="4656"/>
+              <a:buSzPct val="123000"/>
+              <a:buChar char="•"/>
+              <a:defRPr b="0" sz="4600"/>
             </a:pPr>
             <a:r>
               <a:t>Это фрагмент кода, который отвечает за рендеринг блоков в поле видимости.</a:t>
@@ -4310,8 +4493,8 @@
         </p:blipFill>
         <p:spPr>
           <a:xfrm>
-            <a:off x="5596179" y="2433337"/>
-            <a:ext cx="13191642" cy="10776987"/>
+            <a:off x="5596178" y="2433336"/>
+            <a:ext cx="13191643" cy="10776989"/>
           </a:xfrm>
           <a:prstGeom prst="rect">
             <a:avLst/>
@@ -4356,6 +4539,10 @@
           </p:nvPr>
         </p:nvSpPr>
         <p:spPr>
+          <a:xfrm>
+            <a:off x="1206500" y="1079499"/>
+            <a:ext cx="21971000" cy="1433165"/>
+          </a:xfrm>
           <a:prstGeom prst="rect">
             <a:avLst/>
           </a:prstGeom>
@@ -4373,10 +4560,14 @@
           <p:cNvPr id="167" name="Подзаголовок слайда"/>
           <p:cNvSpPr txBox="1"/>
           <p:nvPr>
-            <p:ph type="body" idx="21"/>
-          </p:nvPr>
-        </p:nvSpPr>
-        <p:spPr>
+            <p:ph type="body" sz="quarter" idx="1"/>
+          </p:nvPr>
+        </p:nvSpPr>
+        <p:spPr>
+          <a:xfrm>
+            <a:off x="1206500" y="2372961"/>
+            <a:ext cx="21971000" cy="934780"/>
+          </a:xfrm>
           <a:prstGeom prst="rect">
             <a:avLst/>
           </a:prstGeom>
@@ -4394,17 +4585,22 @@
           <p:cNvPr id="168" name="При запуске игры Вас встречает это окно. Отсюда Вы можете перейти в настройки или в окно выбора мира."/>
           <p:cNvSpPr txBox="1"/>
           <p:nvPr>
-            <p:ph type="body" sz="half" idx="1"/>
+            <p:ph type="body" idx="21"/>
           </p:nvPr>
         </p:nvSpPr>
         <p:spPr>
           <a:xfrm>
-            <a:off x="1207120" y="4159028"/>
-            <a:ext cx="9598573" cy="7987589"/>
+            <a:off x="1207120" y="4159027"/>
+            <a:ext cx="9598574" cy="7987591"/>
           </a:xfrm>
           <a:prstGeom prst="rect">
             <a:avLst/>
           </a:prstGeom>
+          <a:extLst>
+            <a:ext uri="{C572A759-6A51-4108-AA02-DFA0A04FC94B}">
+              <ma14:wrappingTextBoxFlag xmlns:ma14="http://schemas.microsoft.com/office/mac/drawingml/2011/main" val="1"/>
+            </a:ext>
+          </a:extLst>
         </p:spPr>
         <p:txBody>
           <a:bodyPr/>
@@ -4435,8 +4631,8 @@
         </p:blipFill>
         <p:spPr>
           <a:xfrm>
-            <a:off x="10648136" y="3770813"/>
-            <a:ext cx="13147539" cy="9211394"/>
+            <a:off x="10648136" y="3770812"/>
+            <a:ext cx="13147539" cy="9211396"/>
           </a:xfrm>
           <a:prstGeom prst="rect">
             <a:avLst/>
@@ -4481,6 +4677,42 @@
           </p:nvPr>
         </p:nvSpPr>
         <p:spPr>
+          <a:xfrm>
+            <a:off x="1206500" y="1079499"/>
+            <a:ext cx="21971000" cy="1433165"/>
+          </a:xfrm>
+          <a:prstGeom prst="rect">
+            <a:avLst/>
+          </a:prstGeom>
+        </p:spPr>
+        <p:txBody>
+          <a:bodyPr/>
+          <a:lstStyle>
+            <a:lvl1pPr>
+              <a:defRPr spc="-200"/>
+            </a:lvl1pPr>
+          </a:lstStyle>
+          <a:p>
+            <a:pPr/>
+            <a:r>
+              <a:t>Окно выбора мира</a:t>
+            </a:r>
+          </a:p>
+        </p:txBody>
+      </p:sp>
+      <p:sp>
+        <p:nvSpPr>
+          <p:cNvPr id="172" name="Подзаголовок слайда"/>
+          <p:cNvSpPr txBox="1"/>
+          <p:nvPr>
+            <p:ph type="body" sz="quarter" idx="1"/>
+          </p:nvPr>
+        </p:nvSpPr>
+        <p:spPr>
+          <a:xfrm>
+            <a:off x="1206500" y="2372961"/>
+            <a:ext cx="21971000" cy="934780"/>
+          </a:xfrm>
           <a:prstGeom prst="rect">
             <a:avLst/>
           </a:prstGeom>
@@ -4490,30 +4722,6 @@
           <a:lstStyle/>
           <a:p>
             <a:pPr/>
-            <a:r>
-              <a:t>Окно выбора мира</a:t>
-            </a:r>
-          </a:p>
-        </p:txBody>
-      </p:sp>
-      <p:sp>
-        <p:nvSpPr>
-          <p:cNvPr id="172" name="Подзаголовок слайда"/>
-          <p:cNvSpPr txBox="1"/>
-          <p:nvPr>
-            <p:ph type="body" idx="21"/>
-          </p:nvPr>
-        </p:nvSpPr>
-        <p:spPr>
-          <a:prstGeom prst="rect">
-            <a:avLst/>
-          </a:prstGeom>
-        </p:spPr>
-        <p:txBody>
-          <a:bodyPr/>
-          <a:lstStyle/>
-          <a:p>
-            <a:pPr/>
           </a:p>
         </p:txBody>
       </p:sp>
@@ -4522,17 +4730,22 @@
           <p:cNvPr id="173" name="Здесь можно войти в уже существующий мир или создать новый."/>
           <p:cNvSpPr txBox="1"/>
           <p:nvPr>
-            <p:ph type="body" sz="half" idx="1"/>
+            <p:ph type="body" idx="21"/>
           </p:nvPr>
         </p:nvSpPr>
         <p:spPr>
           <a:xfrm>
-            <a:off x="1222821" y="4413078"/>
-            <a:ext cx="10321519" cy="7551617"/>
+            <a:off x="1222821" y="4413077"/>
+            <a:ext cx="10321519" cy="7551619"/>
           </a:xfrm>
           <a:prstGeom prst="rect">
             <a:avLst/>
           </a:prstGeom>
+          <a:extLst>
+            <a:ext uri="{C572A759-6A51-4108-AA02-DFA0A04FC94B}">
+              <ma14:wrappingTextBoxFlag xmlns:ma14="http://schemas.microsoft.com/office/mac/drawingml/2011/main" val="1"/>
+            </a:ext>
+          </a:extLst>
         </p:spPr>
         <p:txBody>
           <a:bodyPr/>
@@ -4563,8 +4776,8 @@
         </p:blipFill>
         <p:spPr>
           <a:xfrm>
-            <a:off x="11569086" y="4107209"/>
-            <a:ext cx="12187254" cy="8538601"/>
+            <a:off x="11569086" y="4107208"/>
+            <a:ext cx="12187254" cy="8538603"/>
           </a:xfrm>
           <a:prstGeom prst="rect">
             <a:avLst/>
@@ -4609,6 +4822,10 @@
           </p:nvPr>
         </p:nvSpPr>
         <p:spPr>
+          <a:xfrm>
+            <a:off x="1206500" y="1079499"/>
+            <a:ext cx="21971000" cy="1433165"/>
+          </a:xfrm>
           <a:prstGeom prst="rect">
             <a:avLst/>
           </a:prstGeom>
@@ -4626,10 +4843,14 @@
           <p:cNvPr id="177" name="Подзаголовок слайда"/>
           <p:cNvSpPr txBox="1"/>
           <p:nvPr>
-            <p:ph type="body" idx="21"/>
-          </p:nvPr>
-        </p:nvSpPr>
-        <p:spPr>
+            <p:ph type="body" sz="quarter" idx="1"/>
+          </p:nvPr>
+        </p:nvSpPr>
+        <p:spPr>
+          <a:xfrm>
+            <a:off x="1206500" y="2372961"/>
+            <a:ext cx="21971000" cy="934780"/>
+          </a:xfrm>
           <a:prstGeom prst="rect">
             <a:avLst/>
           </a:prstGeom>
@@ -4647,17 +4868,22 @@
           <p:cNvPr id="178" name="Как только Вы создадите мир, Вы окажетесь в такой локации (шучу, все миры отличаются друг от друга, т.к каждый зависит от seed’a)"/>
           <p:cNvSpPr txBox="1"/>
           <p:nvPr>
-            <p:ph type="body" sz="half" idx="1"/>
+            <p:ph type="body" idx="21"/>
           </p:nvPr>
         </p:nvSpPr>
         <p:spPr>
           <a:xfrm>
-            <a:off x="1402355" y="4159070"/>
-            <a:ext cx="9862559" cy="7734263"/>
+            <a:off x="1402354" y="4159070"/>
+            <a:ext cx="9862561" cy="7734264"/>
           </a:xfrm>
           <a:prstGeom prst="rect">
             <a:avLst/>
           </a:prstGeom>
+          <a:extLst>
+            <a:ext uri="{C572A759-6A51-4108-AA02-DFA0A04FC94B}">
+              <ma14:wrappingTextBoxFlag xmlns:ma14="http://schemas.microsoft.com/office/mac/drawingml/2011/main" val="1"/>
+            </a:ext>
+          </a:extLst>
         </p:spPr>
         <p:txBody>
           <a:bodyPr/>
@@ -4689,7 +4915,7 @@
         <p:spPr>
           <a:xfrm>
             <a:off x="11170801" y="3750419"/>
-            <a:ext cx="12553480" cy="8795185"/>
+            <a:ext cx="12553481" cy="8795185"/>
           </a:xfrm>
           <a:prstGeom prst="rect">
             <a:avLst/>
@@ -4734,6 +4960,10 @@
           </p:nvPr>
         </p:nvSpPr>
         <p:spPr>
+          <a:xfrm>
+            <a:off x="1206500" y="1079499"/>
+            <a:ext cx="21971000" cy="1433165"/>
+          </a:xfrm>
           <a:prstGeom prst="rect">
             <a:avLst/>
           </a:prstGeom>
@@ -4751,10 +4981,14 @@
           <p:cNvPr id="182" name="Подзаголовок слайда"/>
           <p:cNvSpPr txBox="1"/>
           <p:nvPr>
-            <p:ph type="body" idx="21"/>
-          </p:nvPr>
-        </p:nvSpPr>
-        <p:spPr>
+            <p:ph type="body" sz="quarter" idx="1"/>
+          </p:nvPr>
+        </p:nvSpPr>
+        <p:spPr>
+          <a:xfrm>
+            <a:off x="1206500" y="2372961"/>
+            <a:ext cx="21971000" cy="934780"/>
+          </a:xfrm>
           <a:prstGeom prst="rect">
             <a:avLst/>
           </a:prstGeom>
@@ -4772,17 +5006,22 @@
           <p:cNvPr id="183" name="Первым делом нужно добыть дерево с создать верстак. С его помощью можно создавать почти все существующие предметы. То есть, всё как в обычном майнкрафте, только в 2D."/>
           <p:cNvSpPr txBox="1"/>
           <p:nvPr>
-            <p:ph type="body" sz="half" idx="1"/>
+            <p:ph type="body" idx="21"/>
           </p:nvPr>
         </p:nvSpPr>
         <p:spPr>
           <a:xfrm>
-            <a:off x="1222821" y="4248504"/>
-            <a:ext cx="9910180" cy="8256012"/>
+            <a:off x="1222820" y="4248503"/>
+            <a:ext cx="9910182" cy="8256014"/>
           </a:xfrm>
           <a:prstGeom prst="rect">
             <a:avLst/>
           </a:prstGeom>
+          <a:extLst>
+            <a:ext uri="{C572A759-6A51-4108-AA02-DFA0A04FC94B}">
+              <ma14:wrappingTextBoxFlag xmlns:ma14="http://schemas.microsoft.com/office/mac/drawingml/2011/main" val="1"/>
+            </a:ext>
+          </a:extLst>
         </p:spPr>
         <p:txBody>
           <a:bodyPr/>
@@ -4813,8 +5052,8 @@
         </p:blipFill>
         <p:spPr>
           <a:xfrm>
-            <a:off x="11065234" y="3767072"/>
-            <a:ext cx="13158218" cy="9218876"/>
+            <a:off x="11065233" y="3767072"/>
+            <a:ext cx="13158220" cy="9218877"/>
           </a:xfrm>
           <a:prstGeom prst="rect">
             <a:avLst/>
@@ -4859,6 +5098,42 @@
           </p:nvPr>
         </p:nvSpPr>
         <p:spPr>
+          <a:xfrm>
+            <a:off x="1206500" y="1079499"/>
+            <a:ext cx="21971000" cy="1433165"/>
+          </a:xfrm>
+          <a:prstGeom prst="rect">
+            <a:avLst/>
+          </a:prstGeom>
+        </p:spPr>
+        <p:txBody>
+          <a:bodyPr/>
+          <a:lstStyle>
+            <a:lvl1pPr>
+              <a:defRPr spc="-200"/>
+            </a:lvl1pPr>
+          </a:lstStyle>
+          <a:p>
+            <a:pPr/>
+            <a:r>
+              <a:t>Специальные предметы</a:t>
+            </a:r>
+          </a:p>
+        </p:txBody>
+      </p:sp>
+      <p:sp>
+        <p:nvSpPr>
+          <p:cNvPr id="187" name="Подзаголовок слайда"/>
+          <p:cNvSpPr txBox="1"/>
+          <p:nvPr>
+            <p:ph type="body" sz="quarter" idx="1"/>
+          </p:nvPr>
+        </p:nvSpPr>
+        <p:spPr>
+          <a:xfrm>
+            <a:off x="1206500" y="2372961"/>
+            <a:ext cx="21971000" cy="934780"/>
+          </a:xfrm>
           <a:prstGeom prst="rect">
             <a:avLst/>
           </a:prstGeom>
@@ -4868,30 +5143,6 @@
           <a:lstStyle/>
           <a:p>
             <a:pPr/>
-            <a:r>
-              <a:t>Специальные предметы</a:t>
-            </a:r>
-          </a:p>
-        </p:txBody>
-      </p:sp>
-      <p:sp>
-        <p:nvSpPr>
-          <p:cNvPr id="187" name="Подзаголовок слайда"/>
-          <p:cNvSpPr txBox="1"/>
-          <p:nvPr>
-            <p:ph type="body" idx="21"/>
-          </p:nvPr>
-        </p:nvSpPr>
-        <p:spPr>
-          <a:prstGeom prst="rect">
-            <a:avLst/>
-          </a:prstGeom>
-        </p:spPr>
-        <p:txBody>
-          <a:bodyPr/>
-          <a:lstStyle/>
-          <a:p>
-            <a:pPr/>
           </a:p>
         </p:txBody>
       </p:sp>
@@ -4900,17 +5151,22 @@
           <p:cNvPr id="188" name="В творческом меню Вы можете взять посох. Он стреляет водяными шарами, которые наносят 4"/>
           <p:cNvSpPr txBox="1"/>
           <p:nvPr>
-            <p:ph type="body" sz="half" idx="1"/>
+            <p:ph type="body" idx="21"/>
           </p:nvPr>
         </p:nvSpPr>
         <p:spPr>
           <a:xfrm>
-            <a:off x="1206500" y="3905757"/>
-            <a:ext cx="12474348" cy="8256012"/>
+            <a:off x="1206500" y="3905756"/>
+            <a:ext cx="12474348" cy="8256014"/>
           </a:xfrm>
           <a:prstGeom prst="rect">
             <a:avLst/>
           </a:prstGeom>
+          <a:extLst>
+            <a:ext uri="{C572A759-6A51-4108-AA02-DFA0A04FC94B}">
+              <ma14:wrappingTextBoxFlag xmlns:ma14="http://schemas.microsoft.com/office/mac/drawingml/2011/main" val="1"/>
+            </a:ext>
+          </a:extLst>
         </p:spPr>
         <p:txBody>
           <a:bodyPr/>
@@ -4943,7 +5199,7 @@
         <p:spPr>
           <a:xfrm>
             <a:off x="16910254" y="4132702"/>
-            <a:ext cx="5905501" cy="6527801"/>
+            <a:ext cx="5905502" cy="6527801"/>
           </a:xfrm>
           <a:prstGeom prst="rect">
             <a:avLst/>
@@ -4971,8 +5227,8 @@
         </p:blipFill>
         <p:spPr>
           <a:xfrm>
-            <a:off x="7434050" y="5407815"/>
-            <a:ext cx="484820" cy="484820"/>
+            <a:off x="7434050" y="5407814"/>
+            <a:ext cx="484821" cy="484821"/>
           </a:xfrm>
           <a:prstGeom prst="rect">
             <a:avLst/>
@@ -4999,13 +5255,13 @@
         <a:srgbClr val="5E5E5E"/>
       </a:dk1>
       <a:lt1>
-        <a:srgbClr val="005E00"/>
+        <a:srgbClr val="FFFFFF"/>
       </a:lt1>
       <a:dk2>
-        <a:srgbClr val="5E5E5E"/>
+        <a:srgbClr val="A7A7A7"/>
       </a:dk2>
       <a:lt2>
-        <a:srgbClr val="D5D5D5"/>
+        <a:srgbClr val="535353"/>
       </a:lt2>
       <a:accent1>
         <a:srgbClr val="00A2FF"/>
@@ -5034,9 +5290,9 @@
     </a:clrScheme>
     <a:fontScheme name="33_DynamicLight">
       <a:majorFont>
-        <a:latin typeface="Helvetica Neue"/>
-        <a:ea typeface="Helvetica Neue"/>
-        <a:cs typeface="Helvetica Neue"/>
+        <a:latin typeface="Helvetica"/>
+        <a:ea typeface="Helvetica"/>
+        <a:cs typeface="Helvetica"/>
       </a:majorFont>
       <a:minorFont>
         <a:latin typeface="Helvetica Neue"/>
@@ -5182,11 +5438,14 @@
     <a:spDef>
       <a:spPr>
         <a:solidFill>
-          <a:srgbClr val="000000"/>
+          <a:srgbClr val="005E00"/>
         </a:solidFill>
-        <a:ln w="12700" cap="flat">
-          <a:noFill/>
-          <a:miter lim="400000"/>
+        <a:ln w="25400" cap="flat">
+          <a:solidFill>
+            <a:schemeClr val="accent1"/>
+          </a:solidFill>
+          <a:prstDash val="solid"/>
+          <a:round/>
         </a:ln>
         <a:effectLst/>
         <a:sp3d/>
@@ -5195,7 +5454,7 @@
         <a:spAutoFit/>
       </a:bodyPr>
       <a:lstStyle>
-        <a:defPPr marL="0" marR="0" indent="0" algn="ctr" defTabSz="825500" rtl="0" fontAlgn="auto" latinLnBrk="0" hangingPunct="0">
+        <a:defPPr marL="0" marR="0" indent="0" algn="ctr" defTabSz="2438337" rtl="0" fontAlgn="auto" latinLnBrk="0" hangingPunct="0">
           <a:lnSpc>
             <a:spcPct val="100000"/>
           </a:lnSpc>
@@ -5210,19 +5469,19 @@
           <a:buFontTx/>
           <a:buNone/>
           <a:tabLst/>
-          <a:defRPr b="0" baseline="0" cap="none" i="0" spc="0" strike="noStrike" sz="3200" u="none" kumimoji="0" normalizeH="0">
+          <a:defRPr b="0" baseline="0" cap="none" i="0" spc="0" strike="noStrike" sz="2400" u="none" kumimoji="0" normalizeH="0">
             <a:ln>
               <a:noFill/>
             </a:ln>
             <a:solidFill>
-              <a:srgbClr val="FFFFFF"/>
+              <a:srgbClr val="5E5E5E"/>
             </a:solidFill>
             <a:effectLst/>
             <a:uFillTx/>
-            <a:latin typeface="Helvetica Neue Medium"/>
-            <a:ea typeface="Helvetica Neue Medium"/>
-            <a:cs typeface="Helvetica Neue Medium"/>
-            <a:sym typeface="Helvetica Neue Medium"/>
+            <a:latin typeface="+mn-lt"/>
+            <a:ea typeface="+mn-ea"/>
+            <a:cs typeface="+mn-cs"/>
+            <a:sym typeface="Helvetica Neue"/>
           </a:defRPr>
         </a:defPPr>
         <a:lvl1pPr marL="0" marR="0" indent="0" algn="l" defTabSz="914400" rtl="0" fontAlgn="auto" latinLnBrk="1" hangingPunct="0">
@@ -5472,10 +5731,10 @@
         <a:noFill/>
         <a:ln w="25400" cap="flat">
           <a:solidFill>
-            <a:srgbClr val="000000"/>
+            <a:schemeClr val="accent1"/>
           </a:solidFill>
           <a:prstDash val="solid"/>
-          <a:miter lim="400000"/>
+          <a:round/>
         </a:ln>
         <a:effectLst/>
         <a:sp3d/>
@@ -5766,7 +6025,7 @@
         <a:spAutoFit/>
       </a:bodyPr>
       <a:lstStyle>
-        <a:defPPr marL="0" marR="0" indent="0" algn="ctr" defTabSz="2438338" rtl="0" fontAlgn="auto" latinLnBrk="0" hangingPunct="0">
+        <a:defPPr marL="0" marR="0" indent="0" algn="ctr" defTabSz="2438337" rtl="0" fontAlgn="auto" latinLnBrk="0" hangingPunct="0">
           <a:lnSpc>
             <a:spcPct val="100000"/>
           </a:lnSpc>
@@ -6053,10 +6312,10 @@
         <a:srgbClr val="FFFFFF"/>
       </a:lt1>
       <a:dk2>
-        <a:srgbClr val="5E5E5E"/>
+        <a:srgbClr val="A7A7A7"/>
       </a:dk2>
       <a:lt2>
-        <a:srgbClr val="D5D5D5"/>
+        <a:srgbClr val="535353"/>
       </a:lt2>
       <a:accent1>
         <a:srgbClr val="00A2FF"/>
@@ -6085,9 +6344,9 @@
     </a:clrScheme>
     <a:fontScheme name="33_DynamicLight">
       <a:majorFont>
-        <a:latin typeface="Helvetica Neue"/>
-        <a:ea typeface="Helvetica Neue"/>
-        <a:cs typeface="Helvetica Neue"/>
+        <a:latin typeface="Helvetica"/>
+        <a:ea typeface="Helvetica"/>
+        <a:cs typeface="Helvetica"/>
       </a:majorFont>
       <a:minorFont>
         <a:latin typeface="Helvetica Neue"/>
@@ -6233,11 +6492,14 @@
     <a:spDef>
       <a:spPr>
         <a:solidFill>
-          <a:srgbClr val="000000"/>
+          <a:srgbClr val="005E00"/>
         </a:solidFill>
-        <a:ln w="12700" cap="flat">
-          <a:noFill/>
-          <a:miter lim="400000"/>
+        <a:ln w="25400" cap="flat">
+          <a:solidFill>
+            <a:schemeClr val="accent1"/>
+          </a:solidFill>
+          <a:prstDash val="solid"/>
+          <a:round/>
         </a:ln>
         <a:effectLst/>
         <a:sp3d/>
@@ -6246,7 +6508,7 @@
         <a:spAutoFit/>
       </a:bodyPr>
       <a:lstStyle>
-        <a:defPPr marL="0" marR="0" indent="0" algn="ctr" defTabSz="825500" rtl="0" fontAlgn="auto" latinLnBrk="0" hangingPunct="0">
+        <a:defPPr marL="0" marR="0" indent="0" algn="ctr" defTabSz="2438337" rtl="0" fontAlgn="auto" latinLnBrk="0" hangingPunct="0">
           <a:lnSpc>
             <a:spcPct val="100000"/>
           </a:lnSpc>
@@ -6261,19 +6523,19 @@
           <a:buFontTx/>
           <a:buNone/>
           <a:tabLst/>
-          <a:defRPr b="0" baseline="0" cap="none" i="0" spc="0" strike="noStrike" sz="3200" u="none" kumimoji="0" normalizeH="0">
+          <a:defRPr b="0" baseline="0" cap="none" i="0" spc="0" strike="noStrike" sz="2400" u="none" kumimoji="0" normalizeH="0">
             <a:ln>
               <a:noFill/>
             </a:ln>
             <a:solidFill>
-              <a:srgbClr val="FFFFFF"/>
+              <a:srgbClr val="5E5E5E"/>
             </a:solidFill>
             <a:effectLst/>
             <a:uFillTx/>
-            <a:latin typeface="Helvetica Neue Medium"/>
-            <a:ea typeface="Helvetica Neue Medium"/>
-            <a:cs typeface="Helvetica Neue Medium"/>
-            <a:sym typeface="Helvetica Neue Medium"/>
+            <a:latin typeface="+mn-lt"/>
+            <a:ea typeface="+mn-ea"/>
+            <a:cs typeface="+mn-cs"/>
+            <a:sym typeface="Helvetica Neue"/>
           </a:defRPr>
         </a:defPPr>
         <a:lvl1pPr marL="0" marR="0" indent="0" algn="l" defTabSz="914400" rtl="0" fontAlgn="auto" latinLnBrk="1" hangingPunct="0">
@@ -6523,10 +6785,10 @@
         <a:noFill/>
         <a:ln w="25400" cap="flat">
           <a:solidFill>
-            <a:srgbClr val="000000"/>
+            <a:schemeClr val="accent1"/>
           </a:solidFill>
           <a:prstDash val="solid"/>
-          <a:miter lim="400000"/>
+          <a:round/>
         </a:ln>
         <a:effectLst/>
         <a:sp3d/>
@@ -6817,7 +7079,7 @@
         <a:spAutoFit/>
       </a:bodyPr>
       <a:lstStyle>
-        <a:defPPr marL="0" marR="0" indent="0" algn="ctr" defTabSz="2438338" rtl="0" fontAlgn="auto" latinLnBrk="0" hangingPunct="0">
+        <a:defPPr marL="0" marR="0" indent="0" algn="ctr" defTabSz="2438337" rtl="0" fontAlgn="auto" latinLnBrk="0" hangingPunct="0">
           <a:lnSpc>
             <a:spcPct val="100000"/>
           </a:lnSpc>

--- a/Защита проекта Pygame.pptx
+++ b/Защита проекта Pygame.pptx
@@ -72,9 +72,9 @@
         </a:solidFill>
         <a:effectLst/>
         <a:uFillTx/>
-        <a:latin typeface="+mn-lt"/>
-        <a:ea typeface="+mn-ea"/>
-        <a:cs typeface="+mn-cs"/>
+        <a:latin typeface="+mj-lt"/>
+        <a:ea typeface="+mj-ea"/>
+        <a:cs typeface="+mj-cs"/>
         <a:sym typeface="Helvetica Neue"/>
       </a:defRPr>
     </a:lvl1pPr>
@@ -102,9 +102,9 @@
         </a:solidFill>
         <a:effectLst/>
         <a:uFillTx/>
-        <a:latin typeface="+mn-lt"/>
-        <a:ea typeface="+mn-ea"/>
-        <a:cs typeface="+mn-cs"/>
+        <a:latin typeface="+mj-lt"/>
+        <a:ea typeface="+mj-ea"/>
+        <a:cs typeface="+mj-cs"/>
         <a:sym typeface="Helvetica Neue"/>
       </a:defRPr>
     </a:lvl2pPr>
@@ -132,9 +132,9 @@
         </a:solidFill>
         <a:effectLst/>
         <a:uFillTx/>
-        <a:latin typeface="+mn-lt"/>
-        <a:ea typeface="+mn-ea"/>
-        <a:cs typeface="+mn-cs"/>
+        <a:latin typeface="+mj-lt"/>
+        <a:ea typeface="+mj-ea"/>
+        <a:cs typeface="+mj-cs"/>
         <a:sym typeface="Helvetica Neue"/>
       </a:defRPr>
     </a:lvl3pPr>
@@ -162,9 +162,9 @@
         </a:solidFill>
         <a:effectLst/>
         <a:uFillTx/>
-        <a:latin typeface="+mn-lt"/>
-        <a:ea typeface="+mn-ea"/>
-        <a:cs typeface="+mn-cs"/>
+        <a:latin typeface="+mj-lt"/>
+        <a:ea typeface="+mj-ea"/>
+        <a:cs typeface="+mj-cs"/>
         <a:sym typeface="Helvetica Neue"/>
       </a:defRPr>
     </a:lvl4pPr>
@@ -192,9 +192,9 @@
         </a:solidFill>
         <a:effectLst/>
         <a:uFillTx/>
-        <a:latin typeface="+mn-lt"/>
-        <a:ea typeface="+mn-ea"/>
-        <a:cs typeface="+mn-cs"/>
+        <a:latin typeface="+mj-lt"/>
+        <a:ea typeface="+mj-ea"/>
+        <a:cs typeface="+mj-cs"/>
         <a:sym typeface="Helvetica Neue"/>
       </a:defRPr>
     </a:lvl5pPr>
@@ -222,9 +222,9 @@
         </a:solidFill>
         <a:effectLst/>
         <a:uFillTx/>
-        <a:latin typeface="+mn-lt"/>
-        <a:ea typeface="+mn-ea"/>
-        <a:cs typeface="+mn-cs"/>
+        <a:latin typeface="+mj-lt"/>
+        <a:ea typeface="+mj-ea"/>
+        <a:cs typeface="+mj-cs"/>
         <a:sym typeface="Helvetica Neue"/>
       </a:defRPr>
     </a:lvl6pPr>
@@ -252,9 +252,9 @@
         </a:solidFill>
         <a:effectLst/>
         <a:uFillTx/>
-        <a:latin typeface="+mn-lt"/>
-        <a:ea typeface="+mn-ea"/>
-        <a:cs typeface="+mn-cs"/>
+        <a:latin typeface="+mj-lt"/>
+        <a:ea typeface="+mj-ea"/>
+        <a:cs typeface="+mj-cs"/>
         <a:sym typeface="Helvetica Neue"/>
       </a:defRPr>
     </a:lvl7pPr>
@@ -282,9 +282,9 @@
         </a:solidFill>
         <a:effectLst/>
         <a:uFillTx/>
-        <a:latin typeface="+mn-lt"/>
-        <a:ea typeface="+mn-ea"/>
-        <a:cs typeface="+mn-cs"/>
+        <a:latin typeface="+mj-lt"/>
+        <a:ea typeface="+mj-ea"/>
+        <a:cs typeface="+mj-cs"/>
         <a:sym typeface="Helvetica Neue"/>
       </a:defRPr>
     </a:lvl8pPr>
@@ -312,9 +312,9 @@
         </a:solidFill>
         <a:effectLst/>
         <a:uFillTx/>
-        <a:latin typeface="+mn-lt"/>
-        <a:ea typeface="+mn-ea"/>
-        <a:cs typeface="+mn-cs"/>
+        <a:latin typeface="+mj-lt"/>
+        <a:ea typeface="+mj-ea"/>
+        <a:cs typeface="+mj-cs"/>
         <a:sym typeface="Helvetica Neue"/>
       </a:defRPr>
     </a:lvl9pPr>
@@ -402,9 +402,9 @@
         <a:spcPct val="117999"/>
       </a:lnSpc>
       <a:defRPr sz="2200">
-        <a:latin typeface="+mn-lt"/>
-        <a:ea typeface="+mn-ea"/>
-        <a:cs typeface="+mn-cs"/>
+        <a:latin typeface="+mj-lt"/>
+        <a:ea typeface="+mj-ea"/>
+        <a:cs typeface="+mj-cs"/>
         <a:sym typeface="Helvetica Neue"/>
       </a:defRPr>
     </a:lvl1pPr>
@@ -413,9 +413,9 @@
         <a:spcPct val="117999"/>
       </a:lnSpc>
       <a:defRPr sz="2200">
-        <a:latin typeface="+mn-lt"/>
-        <a:ea typeface="+mn-ea"/>
-        <a:cs typeface="+mn-cs"/>
+        <a:latin typeface="+mj-lt"/>
+        <a:ea typeface="+mj-ea"/>
+        <a:cs typeface="+mj-cs"/>
         <a:sym typeface="Helvetica Neue"/>
       </a:defRPr>
     </a:lvl2pPr>
@@ -424,9 +424,9 @@
         <a:spcPct val="117999"/>
       </a:lnSpc>
       <a:defRPr sz="2200">
-        <a:latin typeface="+mn-lt"/>
-        <a:ea typeface="+mn-ea"/>
-        <a:cs typeface="+mn-cs"/>
+        <a:latin typeface="+mj-lt"/>
+        <a:ea typeface="+mj-ea"/>
+        <a:cs typeface="+mj-cs"/>
         <a:sym typeface="Helvetica Neue"/>
       </a:defRPr>
     </a:lvl3pPr>
@@ -435,9 +435,9 @@
         <a:spcPct val="117999"/>
       </a:lnSpc>
       <a:defRPr sz="2200">
-        <a:latin typeface="+mn-lt"/>
-        <a:ea typeface="+mn-ea"/>
-        <a:cs typeface="+mn-cs"/>
+        <a:latin typeface="+mj-lt"/>
+        <a:ea typeface="+mj-ea"/>
+        <a:cs typeface="+mj-cs"/>
         <a:sym typeface="Helvetica Neue"/>
       </a:defRPr>
     </a:lvl4pPr>
@@ -446,9 +446,9 @@
         <a:spcPct val="117999"/>
       </a:lnSpc>
       <a:defRPr sz="2200">
-        <a:latin typeface="+mn-lt"/>
-        <a:ea typeface="+mn-ea"/>
-        <a:cs typeface="+mn-cs"/>
+        <a:latin typeface="+mj-lt"/>
+        <a:ea typeface="+mj-ea"/>
+        <a:cs typeface="+mj-cs"/>
         <a:sym typeface="Helvetica Neue"/>
       </a:defRPr>
     </a:lvl5pPr>
@@ -457,9 +457,9 @@
         <a:spcPct val="117999"/>
       </a:lnSpc>
       <a:defRPr sz="2200">
-        <a:latin typeface="+mn-lt"/>
-        <a:ea typeface="+mn-ea"/>
-        <a:cs typeface="+mn-cs"/>
+        <a:latin typeface="+mj-lt"/>
+        <a:ea typeface="+mj-ea"/>
+        <a:cs typeface="+mj-cs"/>
         <a:sym typeface="Helvetica Neue"/>
       </a:defRPr>
     </a:lvl6pPr>
@@ -468,9 +468,9 @@
         <a:spcPct val="117999"/>
       </a:lnSpc>
       <a:defRPr sz="2200">
-        <a:latin typeface="+mn-lt"/>
-        <a:ea typeface="+mn-ea"/>
-        <a:cs typeface="+mn-cs"/>
+        <a:latin typeface="+mj-lt"/>
+        <a:ea typeface="+mj-ea"/>
+        <a:cs typeface="+mj-cs"/>
         <a:sym typeface="Helvetica Neue"/>
       </a:defRPr>
     </a:lvl7pPr>
@@ -479,9 +479,9 @@
         <a:spcPct val="117999"/>
       </a:lnSpc>
       <a:defRPr sz="2200">
-        <a:latin typeface="+mn-lt"/>
-        <a:ea typeface="+mn-ea"/>
-        <a:cs typeface="+mn-cs"/>
+        <a:latin typeface="+mj-lt"/>
+        <a:ea typeface="+mj-ea"/>
+        <a:cs typeface="+mj-cs"/>
         <a:sym typeface="Helvetica Neue"/>
       </a:defRPr>
     </a:lvl8pPr>
@@ -490,9 +490,9 @@
         <a:spcPct val="117999"/>
       </a:lnSpc>
       <a:defRPr sz="2200">
-        <a:latin typeface="+mn-lt"/>
-        <a:ea typeface="+mn-ea"/>
-        <a:cs typeface="+mn-cs"/>
+        <a:latin typeface="+mj-lt"/>
+        <a:ea typeface="+mj-ea"/>
+        <a:cs typeface="+mj-cs"/>
         <a:sym typeface="Helvetica Neue"/>
       </a:defRPr>
     </a:lvl9pPr>
@@ -528,7 +528,7 @@
         <p:spPr>
           <a:xfrm>
             <a:off x="1201340" y="11859862"/>
-            <a:ext cx="21971004" cy="636980"/>
+            <a:ext cx="21971005" cy="636981"/>
           </a:xfrm>
           <a:prstGeom prst="rect">
             <a:avLst/>
@@ -628,7 +628,7 @@
         <p:spPr>
           <a:xfrm>
             <a:off x="1206496" y="2574991"/>
-            <a:ext cx="21971005" cy="4648202"/>
+            <a:ext cx="21971005" cy="4648203"/>
           </a:xfrm>
           <a:prstGeom prst="rect">
             <a:avLst/>
@@ -660,7 +660,7 @@
         <p:spPr>
           <a:xfrm>
             <a:off x="1201342" y="7223190"/>
-            <a:ext cx="21971002" cy="1905002"/>
+            <a:ext cx="21971002" cy="1905003"/>
           </a:xfrm>
           <a:prstGeom prst="rect">
             <a:avLst/>
@@ -928,8 +928,8 @@
         </p:nvSpPr>
         <p:spPr>
           <a:xfrm>
-            <a:off x="1206500" y="1075926"/>
-            <a:ext cx="21971000" cy="7241586"/>
+            <a:off x="1206500" y="1075925"/>
+            <a:ext cx="21971000" cy="7241587"/>
           </a:xfrm>
           <a:prstGeom prst="rect">
             <a:avLst/>
@@ -1124,8 +1124,8 @@
         </p:nvSpPr>
         <p:spPr>
           <a:xfrm>
-            <a:off x="2430024" y="10675453"/>
-            <a:ext cx="20200054" cy="636980"/>
+            <a:off x="2430023" y="10675453"/>
+            <a:ext cx="20200055" cy="636981"/>
           </a:xfrm>
           <a:prstGeom prst="rect">
             <a:avLst/>
@@ -1225,7 +1225,7 @@
         <p:spPr>
           <a:xfrm>
             <a:off x="1753923" y="4939860"/>
-            <a:ext cx="20876154" cy="3836281"/>
+            <a:ext cx="20876154" cy="3836282"/>
           </a:xfrm>
           <a:prstGeom prst="rect">
             <a:avLst/>
@@ -1234,7 +1234,7 @@
         <p:txBody>
           <a:bodyPr numCol="1" spcCol="38100"/>
           <a:lstStyle>
-            <a:lvl1pPr marL="469900" indent="-300876">
+            <a:lvl1pPr marL="300875" indent="-131851">
               <a:spcBef>
                 <a:spcPts val="0"/>
               </a:spcBef>
@@ -1369,7 +1369,7 @@
         <p:spPr>
           <a:xfrm>
             <a:off x="-124636" y="1270000"/>
-            <a:ext cx="16840170" cy="11243713"/>
+            <a:ext cx="16840171" cy="11243713"/>
           </a:xfrm>
           <a:prstGeom prst="rect">
             <a:avLst/>
@@ -1648,7 +1648,7 @@
         <p:spPr>
           <a:xfrm>
             <a:off x="1207690" y="1106137"/>
-            <a:ext cx="21968621" cy="636980"/>
+            <a:ext cx="21968621" cy="636981"/>
           </a:xfrm>
           <a:prstGeom prst="rect">
             <a:avLst/>
@@ -1748,7 +1748,7 @@
         <p:spPr>
           <a:xfrm>
             <a:off x="1206500" y="11609909"/>
-            <a:ext cx="21971000" cy="1116953"/>
+            <a:ext cx="21971000" cy="1116954"/>
           </a:xfrm>
           <a:prstGeom prst="rect">
             <a:avLst/>
@@ -2078,8 +2078,8 @@
         </p:nvSpPr>
         <p:spPr>
           <a:xfrm>
-            <a:off x="1206500" y="2372961"/>
-            <a:ext cx="21971000" cy="934781"/>
+            <a:off x="1206500" y="2372960"/>
+            <a:ext cx="21971000" cy="934782"/>
           </a:xfrm>
           <a:prstGeom prst="rect">
             <a:avLst/>
@@ -2179,7 +2179,7 @@
         <p:spPr>
           <a:xfrm>
             <a:off x="1206500" y="4248503"/>
-            <a:ext cx="21971000" cy="8256014"/>
+            <a:ext cx="21971000" cy="8256015"/>
           </a:xfrm>
           <a:prstGeom prst="rect">
             <a:avLst/>
@@ -2350,8 +2350,8 @@
         </p:nvSpPr>
         <p:spPr>
           <a:xfrm>
-            <a:off x="1206500" y="2372961"/>
-            <a:ext cx="9779000" cy="934781"/>
+            <a:off x="1206500" y="2372960"/>
+            <a:ext cx="9779000" cy="934782"/>
           </a:xfrm>
           <a:prstGeom prst="rect">
             <a:avLst/>
@@ -2451,7 +2451,7 @@
         <p:spPr>
           <a:xfrm>
             <a:off x="1206500" y="4248503"/>
-            <a:ext cx="9779000" cy="8256631"/>
+            <a:ext cx="9779000" cy="8256632"/>
           </a:xfrm>
           <a:prstGeom prst="rect">
             <a:avLst/>
@@ -2478,8 +2478,8 @@
         </p:nvSpPr>
         <p:spPr>
           <a:xfrm>
-            <a:off x="9271000" y="1263847"/>
-            <a:ext cx="16773843" cy="11188206"/>
+            <a:off x="9271000" y="1263846"/>
+            <a:ext cx="16773843" cy="11188208"/>
           </a:xfrm>
           <a:prstGeom prst="rect">
             <a:avLst/>
@@ -2671,7 +2671,7 @@
         <p:spPr>
           <a:xfrm>
             <a:off x="1206500" y="1079500"/>
-            <a:ext cx="21971000" cy="1434950"/>
+            <a:ext cx="21971000" cy="1434951"/>
           </a:xfrm>
           <a:prstGeom prst="rect">
             <a:avLst/>
@@ -2698,8 +2698,8 @@
         </p:nvSpPr>
         <p:spPr>
           <a:xfrm>
-            <a:off x="1206500" y="2372961"/>
-            <a:ext cx="21971000" cy="934781"/>
+            <a:off x="1206500" y="2372960"/>
+            <a:ext cx="21971000" cy="934782"/>
           </a:xfrm>
           <a:prstGeom prst="rect">
             <a:avLst/>
@@ -2874,8 +2874,8 @@
         </p:nvSpPr>
         <p:spPr>
           <a:xfrm>
-            <a:off x="1206500" y="2372961"/>
-            <a:ext cx="21971000" cy="934781"/>
+            <a:off x="1206500" y="2372960"/>
+            <a:ext cx="21971000" cy="934782"/>
           </a:xfrm>
           <a:prstGeom prst="rect">
             <a:avLst/>
@@ -2975,7 +2975,7 @@
         <p:spPr>
           <a:xfrm>
             <a:off x="1206500" y="4248503"/>
-            <a:ext cx="21971000" cy="8256014"/>
+            <a:ext cx="21971000" cy="8256015"/>
           </a:xfrm>
           <a:prstGeom prst="rect">
             <a:avLst/>
@@ -3245,9 +3245,9 @@
             <a:srgbClr val="000000"/>
           </a:solidFill>
           <a:uFillTx/>
-          <a:latin typeface="+mn-lt"/>
-          <a:ea typeface="+mn-ea"/>
-          <a:cs typeface="+mn-cs"/>
+          <a:latin typeface="+mj-lt"/>
+          <a:ea typeface="+mj-ea"/>
+          <a:cs typeface="+mj-cs"/>
           <a:sym typeface="Helvetica Neue"/>
         </a:defRPr>
       </a:lvl1pPr>
@@ -3271,9 +3271,9 @@
             <a:srgbClr val="000000"/>
           </a:solidFill>
           <a:uFillTx/>
-          <a:latin typeface="+mn-lt"/>
-          <a:ea typeface="+mn-ea"/>
-          <a:cs typeface="+mn-cs"/>
+          <a:latin typeface="+mj-lt"/>
+          <a:ea typeface="+mj-ea"/>
+          <a:cs typeface="+mj-cs"/>
           <a:sym typeface="Helvetica Neue"/>
         </a:defRPr>
       </a:lvl2pPr>
@@ -3297,9 +3297,9 @@
             <a:srgbClr val="000000"/>
           </a:solidFill>
           <a:uFillTx/>
-          <a:latin typeface="+mn-lt"/>
-          <a:ea typeface="+mn-ea"/>
-          <a:cs typeface="+mn-cs"/>
+          <a:latin typeface="+mj-lt"/>
+          <a:ea typeface="+mj-ea"/>
+          <a:cs typeface="+mj-cs"/>
           <a:sym typeface="Helvetica Neue"/>
         </a:defRPr>
       </a:lvl3pPr>
@@ -3323,9 +3323,9 @@
             <a:srgbClr val="000000"/>
           </a:solidFill>
           <a:uFillTx/>
-          <a:latin typeface="+mn-lt"/>
-          <a:ea typeface="+mn-ea"/>
-          <a:cs typeface="+mn-cs"/>
+          <a:latin typeface="+mj-lt"/>
+          <a:ea typeface="+mj-ea"/>
+          <a:cs typeface="+mj-cs"/>
           <a:sym typeface="Helvetica Neue"/>
         </a:defRPr>
       </a:lvl4pPr>
@@ -3349,9 +3349,9 @@
             <a:srgbClr val="000000"/>
           </a:solidFill>
           <a:uFillTx/>
-          <a:latin typeface="+mn-lt"/>
-          <a:ea typeface="+mn-ea"/>
-          <a:cs typeface="+mn-cs"/>
+          <a:latin typeface="+mj-lt"/>
+          <a:ea typeface="+mj-ea"/>
+          <a:cs typeface="+mj-cs"/>
           <a:sym typeface="Helvetica Neue"/>
         </a:defRPr>
       </a:lvl5pPr>
@@ -3375,9 +3375,9 @@
             <a:srgbClr val="000000"/>
           </a:solidFill>
           <a:uFillTx/>
-          <a:latin typeface="+mn-lt"/>
-          <a:ea typeface="+mn-ea"/>
-          <a:cs typeface="+mn-cs"/>
+          <a:latin typeface="+mj-lt"/>
+          <a:ea typeface="+mj-ea"/>
+          <a:cs typeface="+mj-cs"/>
           <a:sym typeface="Helvetica Neue"/>
         </a:defRPr>
       </a:lvl6pPr>
@@ -3401,9 +3401,9 @@
             <a:srgbClr val="000000"/>
           </a:solidFill>
           <a:uFillTx/>
-          <a:latin typeface="+mn-lt"/>
-          <a:ea typeface="+mn-ea"/>
-          <a:cs typeface="+mn-cs"/>
+          <a:latin typeface="+mj-lt"/>
+          <a:ea typeface="+mj-ea"/>
+          <a:cs typeface="+mj-cs"/>
           <a:sym typeface="Helvetica Neue"/>
         </a:defRPr>
       </a:lvl7pPr>
@@ -3427,9 +3427,9 @@
             <a:srgbClr val="000000"/>
           </a:solidFill>
           <a:uFillTx/>
-          <a:latin typeface="+mn-lt"/>
-          <a:ea typeface="+mn-ea"/>
-          <a:cs typeface="+mn-cs"/>
+          <a:latin typeface="+mj-lt"/>
+          <a:ea typeface="+mj-ea"/>
+          <a:cs typeface="+mj-cs"/>
           <a:sym typeface="Helvetica Neue"/>
         </a:defRPr>
       </a:lvl8pPr>
@@ -3453,9 +3453,9 @@
             <a:srgbClr val="000000"/>
           </a:solidFill>
           <a:uFillTx/>
-          <a:latin typeface="+mn-lt"/>
-          <a:ea typeface="+mn-ea"/>
-          <a:cs typeface="+mn-cs"/>
+          <a:latin typeface="+mj-lt"/>
+          <a:ea typeface="+mj-ea"/>
+          <a:cs typeface="+mj-cs"/>
           <a:sym typeface="Helvetica Neue"/>
         </a:defRPr>
       </a:lvl9pPr>
@@ -3481,9 +3481,9 @@
             <a:srgbClr val="000000"/>
           </a:solidFill>
           <a:uFillTx/>
-          <a:latin typeface="+mn-lt"/>
-          <a:ea typeface="+mn-ea"/>
-          <a:cs typeface="+mn-cs"/>
+          <a:latin typeface="+mj-lt"/>
+          <a:ea typeface="+mj-ea"/>
+          <a:cs typeface="+mj-cs"/>
           <a:sym typeface="Helvetica Neue"/>
         </a:defRPr>
       </a:lvl1pPr>
@@ -3507,9 +3507,9 @@
             <a:srgbClr val="000000"/>
           </a:solidFill>
           <a:uFillTx/>
-          <a:latin typeface="+mn-lt"/>
-          <a:ea typeface="+mn-ea"/>
-          <a:cs typeface="+mn-cs"/>
+          <a:latin typeface="+mj-lt"/>
+          <a:ea typeface="+mj-ea"/>
+          <a:cs typeface="+mj-cs"/>
           <a:sym typeface="Helvetica Neue"/>
         </a:defRPr>
       </a:lvl2pPr>
@@ -3533,9 +3533,9 @@
             <a:srgbClr val="000000"/>
           </a:solidFill>
           <a:uFillTx/>
-          <a:latin typeface="+mn-lt"/>
-          <a:ea typeface="+mn-ea"/>
-          <a:cs typeface="+mn-cs"/>
+          <a:latin typeface="+mj-lt"/>
+          <a:ea typeface="+mj-ea"/>
+          <a:cs typeface="+mj-cs"/>
           <a:sym typeface="Helvetica Neue"/>
         </a:defRPr>
       </a:lvl3pPr>
@@ -3559,9 +3559,9 @@
             <a:srgbClr val="000000"/>
           </a:solidFill>
           <a:uFillTx/>
-          <a:latin typeface="+mn-lt"/>
-          <a:ea typeface="+mn-ea"/>
-          <a:cs typeface="+mn-cs"/>
+          <a:latin typeface="+mj-lt"/>
+          <a:ea typeface="+mj-ea"/>
+          <a:cs typeface="+mj-cs"/>
           <a:sym typeface="Helvetica Neue"/>
         </a:defRPr>
       </a:lvl4pPr>
@@ -3585,9 +3585,9 @@
             <a:srgbClr val="000000"/>
           </a:solidFill>
           <a:uFillTx/>
-          <a:latin typeface="+mn-lt"/>
-          <a:ea typeface="+mn-ea"/>
-          <a:cs typeface="+mn-cs"/>
+          <a:latin typeface="+mj-lt"/>
+          <a:ea typeface="+mj-ea"/>
+          <a:cs typeface="+mj-cs"/>
           <a:sym typeface="Helvetica Neue"/>
         </a:defRPr>
       </a:lvl5pPr>
@@ -3611,9 +3611,9 @@
             <a:srgbClr val="000000"/>
           </a:solidFill>
           <a:uFillTx/>
-          <a:latin typeface="+mn-lt"/>
-          <a:ea typeface="+mn-ea"/>
-          <a:cs typeface="+mn-cs"/>
+          <a:latin typeface="+mj-lt"/>
+          <a:ea typeface="+mj-ea"/>
+          <a:cs typeface="+mj-cs"/>
           <a:sym typeface="Helvetica Neue"/>
         </a:defRPr>
       </a:lvl6pPr>
@@ -3637,9 +3637,9 @@
             <a:srgbClr val="000000"/>
           </a:solidFill>
           <a:uFillTx/>
-          <a:latin typeface="+mn-lt"/>
-          <a:ea typeface="+mn-ea"/>
-          <a:cs typeface="+mn-cs"/>
+          <a:latin typeface="+mj-lt"/>
+          <a:ea typeface="+mj-ea"/>
+          <a:cs typeface="+mj-cs"/>
           <a:sym typeface="Helvetica Neue"/>
         </a:defRPr>
       </a:lvl7pPr>
@@ -3663,9 +3663,9 @@
             <a:srgbClr val="000000"/>
           </a:solidFill>
           <a:uFillTx/>
-          <a:latin typeface="+mn-lt"/>
-          <a:ea typeface="+mn-ea"/>
-          <a:cs typeface="+mn-cs"/>
+          <a:latin typeface="+mj-lt"/>
+          <a:ea typeface="+mj-ea"/>
+          <a:cs typeface="+mj-cs"/>
           <a:sym typeface="Helvetica Neue"/>
         </a:defRPr>
       </a:lvl8pPr>
@@ -3689,9 +3689,9 @@
             <a:srgbClr val="000000"/>
           </a:solidFill>
           <a:uFillTx/>
-          <a:latin typeface="+mn-lt"/>
-          <a:ea typeface="+mn-ea"/>
-          <a:cs typeface="+mn-cs"/>
+          <a:latin typeface="+mj-lt"/>
+          <a:ea typeface="+mj-ea"/>
+          <a:cs typeface="+mj-cs"/>
           <a:sym typeface="Helvetica Neue"/>
         </a:defRPr>
       </a:lvl9pPr>
@@ -3964,7 +3964,7 @@
         <p:spPr>
           <a:xfrm>
             <a:off x="1201341" y="11859862"/>
-            <a:ext cx="21971002" cy="636980"/>
+            <a:ext cx="21971002" cy="636981"/>
           </a:xfrm>
           <a:prstGeom prst="rect">
             <a:avLst/>
@@ -3991,8 +3991,8 @@
         </p:nvSpPr>
         <p:spPr>
           <a:xfrm>
-            <a:off x="1206495" y="2574990"/>
-            <a:ext cx="21971006" cy="4648203"/>
+            <a:off x="1206494" y="2574989"/>
+            <a:ext cx="21971008" cy="4648204"/>
           </a:xfrm>
           <a:prstGeom prst="rect">
             <a:avLst/>
@@ -4022,7 +4022,7 @@
         <p:spPr>
           <a:xfrm>
             <a:off x="1201342" y="7223190"/>
-            <a:ext cx="21971002" cy="1905002"/>
+            <a:ext cx="21971002" cy="1905003"/>
           </a:xfrm>
           <a:prstGeom prst="rect">
             <a:avLst/>
@@ -4094,7 +4094,7 @@
         <p:spPr>
           <a:xfrm>
             <a:off x="1206500" y="1079499"/>
-            <a:ext cx="21971000" cy="1433165"/>
+            <a:ext cx="21971000" cy="1433166"/>
           </a:xfrm>
           <a:prstGeom prst="rect">
             <a:avLst/>
@@ -4118,7 +4118,7 @@
         </p:nvSpPr>
         <p:spPr>
           <a:xfrm>
-            <a:off x="1206500" y="2372961"/>
+            <a:off x="1206500" y="2372960"/>
             <a:ext cx="21971000" cy="934780"/>
           </a:xfrm>
           <a:prstGeom prst="rect">
@@ -4199,7 +4199,7 @@
         <p:spPr>
           <a:xfrm>
             <a:off x="1206500" y="1079499"/>
-            <a:ext cx="21971000" cy="1433165"/>
+            <a:ext cx="21971000" cy="1433166"/>
           </a:xfrm>
           <a:prstGeom prst="rect">
             <a:avLst/>
@@ -4230,7 +4230,7 @@
         </p:nvSpPr>
         <p:spPr>
           <a:xfrm>
-            <a:off x="1206500" y="2372961"/>
+            <a:off x="1206500" y="2372960"/>
             <a:ext cx="21971000" cy="934780"/>
           </a:xfrm>
           <a:prstGeom prst="rect">
@@ -4329,7 +4329,7 @@
         <p:spPr>
           <a:xfrm>
             <a:off x="1206500" y="1079499"/>
-            <a:ext cx="21971000" cy="1433165"/>
+            <a:ext cx="21971000" cy="1433166"/>
           </a:xfrm>
           <a:prstGeom prst="rect">
             <a:avLst/>
@@ -4360,7 +4360,7 @@
         </p:nvSpPr>
         <p:spPr>
           <a:xfrm>
-            <a:off x="1206500" y="2372961"/>
+            <a:off x="1206500" y="2372960"/>
             <a:ext cx="21971000" cy="934780"/>
           </a:xfrm>
           <a:prstGeom prst="rect">
@@ -4399,7 +4399,7 @@
           <a:p>
             <a:pPr/>
             <a:r>
-              <a:t>4353 строк</a:t>
+              <a:t>&gt; 5000 строк</a:t>
             </a:r>
           </a:p>
           <a:p>
@@ -4446,8 +4446,8 @@
         </p:nvSpPr>
         <p:spPr>
           <a:xfrm>
-            <a:off x="5902461" y="512777"/>
-            <a:ext cx="12579077" cy="2052025"/>
+            <a:off x="5902460" y="512777"/>
+            <a:ext cx="12579079" cy="2052025"/>
           </a:xfrm>
           <a:prstGeom prst="rect">
             <a:avLst/>
@@ -4477,7 +4477,7 @@
       </p:sp>
       <p:pic>
         <p:nvPicPr>
-          <p:cNvPr id="164" name="Снимок экрана 2023-01-08 в 19.45.01.png" descr="Снимок экрана 2023-01-08 в 19.45.01.png"/>
+          <p:cNvPr id="164" name="Снимок экрана 2023-01-22 в 13.56.59.png" descr="Снимок экрана 2023-01-22 в 13.56.59.png"/>
           <p:cNvPicPr>
             <a:picLocks noChangeAspect="1"/>
           </p:cNvPicPr>
@@ -4493,8 +4493,8 @@
         </p:blipFill>
         <p:spPr>
           <a:xfrm>
-            <a:off x="5596178" y="2433336"/>
-            <a:ext cx="13191643" cy="10776989"/>
+            <a:off x="5626099" y="2400645"/>
+            <a:ext cx="13131801" cy="10718801"/>
           </a:xfrm>
           <a:prstGeom prst="rect">
             <a:avLst/>
@@ -4541,7 +4541,7 @@
         <p:spPr>
           <a:xfrm>
             <a:off x="1206500" y="1079499"/>
-            <a:ext cx="21971000" cy="1433165"/>
+            <a:ext cx="21971000" cy="1433166"/>
           </a:xfrm>
           <a:prstGeom prst="rect">
             <a:avLst/>
@@ -4565,7 +4565,7 @@
         </p:nvSpPr>
         <p:spPr>
           <a:xfrm>
-            <a:off x="1206500" y="2372961"/>
+            <a:off x="1206500" y="2372960"/>
             <a:ext cx="21971000" cy="934780"/>
           </a:xfrm>
           <a:prstGeom prst="rect">
@@ -4679,7 +4679,7 @@
         <p:spPr>
           <a:xfrm>
             <a:off x="1206500" y="1079499"/>
-            <a:ext cx="21971000" cy="1433165"/>
+            <a:ext cx="21971000" cy="1433166"/>
           </a:xfrm>
           <a:prstGeom prst="rect">
             <a:avLst/>
@@ -4710,7 +4710,7 @@
         </p:nvSpPr>
         <p:spPr>
           <a:xfrm>
-            <a:off x="1206500" y="2372961"/>
+            <a:off x="1206500" y="2372960"/>
             <a:ext cx="21971000" cy="934780"/>
           </a:xfrm>
           <a:prstGeom prst="rect">
@@ -4736,7 +4736,7 @@
         <p:spPr>
           <a:xfrm>
             <a:off x="1222821" y="4413077"/>
-            <a:ext cx="10321519" cy="7551619"/>
+            <a:ext cx="10321519" cy="7551620"/>
           </a:xfrm>
           <a:prstGeom prst="rect">
             <a:avLst/>
@@ -4776,8 +4776,8 @@
         </p:blipFill>
         <p:spPr>
           <a:xfrm>
-            <a:off x="11569086" y="4107208"/>
-            <a:ext cx="12187254" cy="8538603"/>
+            <a:off x="11569086" y="4107207"/>
+            <a:ext cx="12187254" cy="8538604"/>
           </a:xfrm>
           <a:prstGeom prst="rect">
             <a:avLst/>
@@ -4824,7 +4824,7 @@
         <p:spPr>
           <a:xfrm>
             <a:off x="1206500" y="1079499"/>
-            <a:ext cx="21971000" cy="1433165"/>
+            <a:ext cx="21971000" cy="1433166"/>
           </a:xfrm>
           <a:prstGeom prst="rect">
             <a:avLst/>
@@ -4848,7 +4848,7 @@
         </p:nvSpPr>
         <p:spPr>
           <a:xfrm>
-            <a:off x="1206500" y="2372961"/>
+            <a:off x="1206500" y="2372960"/>
             <a:ext cx="21971000" cy="934780"/>
           </a:xfrm>
           <a:prstGeom prst="rect">
@@ -4873,8 +4873,8 @@
         </p:nvSpPr>
         <p:spPr>
           <a:xfrm>
-            <a:off x="1402354" y="4159070"/>
-            <a:ext cx="9862561" cy="7734264"/>
+            <a:off x="1402354" y="4159069"/>
+            <a:ext cx="9862561" cy="7734266"/>
           </a:xfrm>
           <a:prstGeom prst="rect">
             <a:avLst/>
@@ -4915,7 +4915,7 @@
         <p:spPr>
           <a:xfrm>
             <a:off x="11170801" y="3750419"/>
-            <a:ext cx="12553481" cy="8795185"/>
+            <a:ext cx="12553482" cy="8795185"/>
           </a:xfrm>
           <a:prstGeom prst="rect">
             <a:avLst/>
@@ -4962,7 +4962,7 @@
         <p:spPr>
           <a:xfrm>
             <a:off x="1206500" y="1079499"/>
-            <a:ext cx="21971000" cy="1433165"/>
+            <a:ext cx="21971000" cy="1433166"/>
           </a:xfrm>
           <a:prstGeom prst="rect">
             <a:avLst/>
@@ -4986,7 +4986,7 @@
         </p:nvSpPr>
         <p:spPr>
           <a:xfrm>
-            <a:off x="1206500" y="2372961"/>
+            <a:off x="1206500" y="2372960"/>
             <a:ext cx="21971000" cy="934780"/>
           </a:xfrm>
           <a:prstGeom prst="rect">
@@ -5012,7 +5012,7 @@
         <p:spPr>
           <a:xfrm>
             <a:off x="1222820" y="4248503"/>
-            <a:ext cx="9910182" cy="8256014"/>
+            <a:ext cx="9910182" cy="8256015"/>
           </a:xfrm>
           <a:prstGeom prst="rect">
             <a:avLst/>
@@ -5029,7 +5029,7 @@
           <a:p>
             <a:pPr/>
             <a:r>
-              <a:t>Первым делом нужно добыть дерево с создать верстак. С его помощью можно создавать почти все существующие предметы. То есть, всё как в обычном майнкрафте, только в 2D.</a:t>
+              <a:t>Первым делом нужно добыть дерево и создать верстак. С его помощью можно создавать почти все существующие предметы. То есть, всё как в обычном майнкрафте, только в 2D.</a:t>
             </a:r>
           </a:p>
         </p:txBody>
@@ -5053,7 +5053,7 @@
         <p:spPr>
           <a:xfrm>
             <a:off x="11065233" y="3767072"/>
-            <a:ext cx="13158220" cy="9218877"/>
+            <a:ext cx="13158221" cy="9218877"/>
           </a:xfrm>
           <a:prstGeom prst="rect">
             <a:avLst/>
@@ -5100,7 +5100,7 @@
         <p:spPr>
           <a:xfrm>
             <a:off x="1206500" y="1079499"/>
-            <a:ext cx="21971000" cy="1433165"/>
+            <a:ext cx="21971000" cy="1433166"/>
           </a:xfrm>
           <a:prstGeom prst="rect">
             <a:avLst/>
@@ -5131,7 +5131,7 @@
         </p:nvSpPr>
         <p:spPr>
           <a:xfrm>
-            <a:off x="1206500" y="2372961"/>
+            <a:off x="1206500" y="2372960"/>
             <a:ext cx="21971000" cy="934780"/>
           </a:xfrm>
           <a:prstGeom prst="rect">
@@ -5157,7 +5157,7 @@
         <p:spPr>
           <a:xfrm>
             <a:off x="1206500" y="3905756"/>
-            <a:ext cx="12474348" cy="8256014"/>
+            <a:ext cx="12474348" cy="8256015"/>
           </a:xfrm>
           <a:prstGeom prst="rect">
             <a:avLst/>
@@ -5199,7 +5199,7 @@
         <p:spPr>
           <a:xfrm>
             <a:off x="16910254" y="4132702"/>
-            <a:ext cx="5905502" cy="6527801"/>
+            <a:ext cx="5905503" cy="6527801"/>
           </a:xfrm>
           <a:prstGeom prst="rect">
             <a:avLst/>
@@ -5228,7 +5228,7 @@
         <p:spPr>
           <a:xfrm>
             <a:off x="7434050" y="5407814"/>
-            <a:ext cx="484821" cy="484821"/>
+            <a:ext cx="484822" cy="484822"/>
           </a:xfrm>
           <a:prstGeom prst="rect">
             <a:avLst/>
@@ -5290,14 +5290,14 @@
     </a:clrScheme>
     <a:fontScheme name="33_DynamicLight">
       <a:majorFont>
+        <a:latin typeface="Helvetica Neue"/>
+        <a:ea typeface="Helvetica Neue"/>
+        <a:cs typeface="Helvetica Neue"/>
+      </a:majorFont>
+      <a:minorFont>
         <a:latin typeface="Helvetica"/>
         <a:ea typeface="Helvetica"/>
         <a:cs typeface="Helvetica"/>
-      </a:majorFont>
-      <a:minorFont>
-        <a:latin typeface="Helvetica Neue"/>
-        <a:ea typeface="Helvetica Neue"/>
-        <a:cs typeface="Helvetica Neue"/>
       </a:minorFont>
     </a:fontScheme>
     <a:fmtScheme name="33_DynamicLight">
@@ -5438,7 +5438,7 @@
     <a:spDef>
       <a:spPr>
         <a:solidFill>
-          <a:srgbClr val="005E00"/>
+          <a:srgbClr val="FFFFFF"/>
         </a:solidFill>
         <a:ln w="25400" cap="flat">
           <a:solidFill>
@@ -5478,9 +5478,9 @@
             </a:solidFill>
             <a:effectLst/>
             <a:uFillTx/>
-            <a:latin typeface="+mn-lt"/>
-            <a:ea typeface="+mn-ea"/>
-            <a:cs typeface="+mn-cs"/>
+            <a:latin typeface="+mj-lt"/>
+            <a:ea typeface="+mj-ea"/>
+            <a:cs typeface="+mj-cs"/>
             <a:sym typeface="Helvetica Neue"/>
           </a:defRPr>
         </a:defPPr>
@@ -6049,9 +6049,9 @@
             </a:solidFill>
             <a:effectLst/>
             <a:uFillTx/>
-            <a:latin typeface="+mn-lt"/>
-            <a:ea typeface="+mn-ea"/>
-            <a:cs typeface="+mn-cs"/>
+            <a:latin typeface="+mj-lt"/>
+            <a:ea typeface="+mj-ea"/>
+            <a:cs typeface="+mj-cs"/>
             <a:sym typeface="Helvetica Neue"/>
           </a:defRPr>
         </a:defPPr>
@@ -6344,14 +6344,14 @@
     </a:clrScheme>
     <a:fontScheme name="33_DynamicLight">
       <a:majorFont>
+        <a:latin typeface="Helvetica Neue"/>
+        <a:ea typeface="Helvetica Neue"/>
+        <a:cs typeface="Helvetica Neue"/>
+      </a:majorFont>
+      <a:minorFont>
         <a:latin typeface="Helvetica"/>
         <a:ea typeface="Helvetica"/>
         <a:cs typeface="Helvetica"/>
-      </a:majorFont>
-      <a:minorFont>
-        <a:latin typeface="Helvetica Neue"/>
-        <a:ea typeface="Helvetica Neue"/>
-        <a:cs typeface="Helvetica Neue"/>
       </a:minorFont>
     </a:fontScheme>
     <a:fmtScheme name="33_DynamicLight">
@@ -6492,7 +6492,7 @@
     <a:spDef>
       <a:spPr>
         <a:solidFill>
-          <a:srgbClr val="005E00"/>
+          <a:srgbClr val="FFFFFF"/>
         </a:solidFill>
         <a:ln w="25400" cap="flat">
           <a:solidFill>
@@ -6532,9 +6532,9 @@
             </a:solidFill>
             <a:effectLst/>
             <a:uFillTx/>
-            <a:latin typeface="+mn-lt"/>
-            <a:ea typeface="+mn-ea"/>
-            <a:cs typeface="+mn-cs"/>
+            <a:latin typeface="+mj-lt"/>
+            <a:ea typeface="+mj-ea"/>
+            <a:cs typeface="+mj-cs"/>
             <a:sym typeface="Helvetica Neue"/>
           </a:defRPr>
         </a:defPPr>
@@ -7103,9 +7103,9 @@
             </a:solidFill>
             <a:effectLst/>
             <a:uFillTx/>
-            <a:latin typeface="+mn-lt"/>
-            <a:ea typeface="+mn-ea"/>
-            <a:cs typeface="+mn-cs"/>
+            <a:latin typeface="+mj-lt"/>
+            <a:ea typeface="+mj-ea"/>
+            <a:cs typeface="+mj-cs"/>
             <a:sym typeface="Helvetica Neue"/>
           </a:defRPr>
         </a:defPPr>
